--- a/Chapter2/Figures/Fig2.pptx
+++ b/Chapter2/Figures/Fig2.pptx
@@ -288,7 +288,7 @@
           <a:p>
             <a:fld id="{B2D168A9-1B28-47B3-B1E4-8C97D41DF016}" type="datetimeFigureOut">
               <a:rPr lang="en-GB" smtClean="0"/>
-              <a:t>22/06/2014</a:t>
+              <a:t>08/07/2014</a:t>
             </a:fld>
             <a:endParaRPr lang="en-GB"/>
           </a:p>
@@ -458,7 +458,7 @@
           <a:p>
             <a:fld id="{B2D168A9-1B28-47B3-B1E4-8C97D41DF016}" type="datetimeFigureOut">
               <a:rPr lang="en-GB" smtClean="0"/>
-              <a:t>22/06/2014</a:t>
+              <a:t>08/07/2014</a:t>
             </a:fld>
             <a:endParaRPr lang="en-GB"/>
           </a:p>
@@ -638,7 +638,7 @@
           <a:p>
             <a:fld id="{B2D168A9-1B28-47B3-B1E4-8C97D41DF016}" type="datetimeFigureOut">
               <a:rPr lang="en-GB" smtClean="0"/>
-              <a:t>22/06/2014</a:t>
+              <a:t>08/07/2014</a:t>
             </a:fld>
             <a:endParaRPr lang="en-GB"/>
           </a:p>
@@ -808,7 +808,7 @@
           <a:p>
             <a:fld id="{B2D168A9-1B28-47B3-B1E4-8C97D41DF016}" type="datetimeFigureOut">
               <a:rPr lang="en-GB" smtClean="0"/>
-              <a:t>22/06/2014</a:t>
+              <a:t>08/07/2014</a:t>
             </a:fld>
             <a:endParaRPr lang="en-GB"/>
           </a:p>
@@ -1054,7 +1054,7 @@
           <a:p>
             <a:fld id="{B2D168A9-1B28-47B3-B1E4-8C97D41DF016}" type="datetimeFigureOut">
               <a:rPr lang="en-GB" smtClean="0"/>
-              <a:t>22/06/2014</a:t>
+              <a:t>08/07/2014</a:t>
             </a:fld>
             <a:endParaRPr lang="en-GB"/>
           </a:p>
@@ -1342,7 +1342,7 @@
           <a:p>
             <a:fld id="{B2D168A9-1B28-47B3-B1E4-8C97D41DF016}" type="datetimeFigureOut">
               <a:rPr lang="en-GB" smtClean="0"/>
-              <a:t>22/06/2014</a:t>
+              <a:t>08/07/2014</a:t>
             </a:fld>
             <a:endParaRPr lang="en-GB"/>
           </a:p>
@@ -1764,7 +1764,7 @@
           <a:p>
             <a:fld id="{B2D168A9-1B28-47B3-B1E4-8C97D41DF016}" type="datetimeFigureOut">
               <a:rPr lang="en-GB" smtClean="0"/>
-              <a:t>22/06/2014</a:t>
+              <a:t>08/07/2014</a:t>
             </a:fld>
             <a:endParaRPr lang="en-GB"/>
           </a:p>
@@ -1882,7 +1882,7 @@
           <a:p>
             <a:fld id="{B2D168A9-1B28-47B3-B1E4-8C97D41DF016}" type="datetimeFigureOut">
               <a:rPr lang="en-GB" smtClean="0"/>
-              <a:t>22/06/2014</a:t>
+              <a:t>08/07/2014</a:t>
             </a:fld>
             <a:endParaRPr lang="en-GB"/>
           </a:p>
@@ -1977,7 +1977,7 @@
           <a:p>
             <a:fld id="{B2D168A9-1B28-47B3-B1E4-8C97D41DF016}" type="datetimeFigureOut">
               <a:rPr lang="en-GB" smtClean="0"/>
-              <a:t>22/06/2014</a:t>
+              <a:t>08/07/2014</a:t>
             </a:fld>
             <a:endParaRPr lang="en-GB"/>
           </a:p>
@@ -2254,7 +2254,7 @@
           <a:p>
             <a:fld id="{B2D168A9-1B28-47B3-B1E4-8C97D41DF016}" type="datetimeFigureOut">
               <a:rPr lang="en-GB" smtClean="0"/>
-              <a:t>22/06/2014</a:t>
+              <a:t>08/07/2014</a:t>
             </a:fld>
             <a:endParaRPr lang="en-GB"/>
           </a:p>
@@ -2507,7 +2507,7 @@
           <a:p>
             <a:fld id="{B2D168A9-1B28-47B3-B1E4-8C97D41DF016}" type="datetimeFigureOut">
               <a:rPr lang="en-GB" smtClean="0"/>
-              <a:t>22/06/2014</a:t>
+              <a:t>08/07/2014</a:t>
             </a:fld>
             <a:endParaRPr lang="en-GB"/>
           </a:p>
@@ -2720,7 +2720,7 @@
           <a:p>
             <a:fld id="{B2D168A9-1B28-47B3-B1E4-8C97D41DF016}" type="datetimeFigureOut">
               <a:rPr lang="en-GB" smtClean="0"/>
-              <a:t>22/06/2014</a:t>
+              <a:t>08/07/2014</a:t>
             </a:fld>
             <a:endParaRPr lang="en-GB"/>
           </a:p>
@@ -3775,12 +3775,74 @@
             </p:nvSpPr>
             <p:spPr>
               <a:xfrm>
-                <a:off x="6732240" y="543464"/>
-                <a:ext cx="720080" cy="1445376"/>
+                <a:off x="6732240" y="543465"/>
+                <a:ext cx="720080" cy="1445375"/>
               </a:xfrm>
-              <a:prstGeom prst="rect">
+              <a:custGeom>
                 <a:avLst/>
-              </a:prstGeom>
+                <a:gdLst>
+                  <a:gd name="connsiteX0" fmla="*/ 0 w 360040"/>
+                  <a:gd name="connsiteY0" fmla="*/ 0 h 722688"/>
+                  <a:gd name="connsiteX1" fmla="*/ 360040 w 360040"/>
+                  <a:gd name="connsiteY1" fmla="*/ 0 h 722688"/>
+                  <a:gd name="connsiteX2" fmla="*/ 360040 w 360040"/>
+                  <a:gd name="connsiteY2" fmla="*/ 722688 h 722688"/>
+                  <a:gd name="connsiteX3" fmla="*/ 0 w 360040"/>
+                  <a:gd name="connsiteY3" fmla="*/ 722688 h 722688"/>
+                  <a:gd name="connsiteX4" fmla="*/ 0 w 360040"/>
+                  <a:gd name="connsiteY4" fmla="*/ 0 h 722688"/>
+                  <a:gd name="connsiteX0" fmla="*/ 0 w 360040"/>
+                  <a:gd name="connsiteY0" fmla="*/ 0 h 722688"/>
+                  <a:gd name="connsiteX1" fmla="*/ 360040 w 360040"/>
+                  <a:gd name="connsiteY1" fmla="*/ 0 h 722688"/>
+                  <a:gd name="connsiteX2" fmla="*/ 360040 w 360040"/>
+                  <a:gd name="connsiteY2" fmla="*/ 722688 h 722688"/>
+                  <a:gd name="connsiteX3" fmla="*/ 0 w 360040"/>
+                  <a:gd name="connsiteY3" fmla="*/ 722688 h 722688"/>
+                  <a:gd name="connsiteX4" fmla="*/ 91440 w 360040"/>
+                  <a:gd name="connsiteY4" fmla="*/ 91440 h 722688"/>
+                  <a:gd name="connsiteX0" fmla="*/ 0 w 360040"/>
+                  <a:gd name="connsiteY0" fmla="*/ 0 h 722688"/>
+                  <a:gd name="connsiteX1" fmla="*/ 360040 w 360040"/>
+                  <a:gd name="connsiteY1" fmla="*/ 0 h 722688"/>
+                  <a:gd name="connsiteX2" fmla="*/ 360040 w 360040"/>
+                  <a:gd name="connsiteY2" fmla="*/ 722688 h 722688"/>
+                  <a:gd name="connsiteX3" fmla="*/ 0 w 360040"/>
+                  <a:gd name="connsiteY3" fmla="*/ 722688 h 722688"/>
+                </a:gdLst>
+                <a:ahLst/>
+                <a:cxnLst>
+                  <a:cxn ang="0">
+                    <a:pos x="connsiteX0" y="connsiteY0"/>
+                  </a:cxn>
+                  <a:cxn ang="0">
+                    <a:pos x="connsiteX1" y="connsiteY1"/>
+                  </a:cxn>
+                  <a:cxn ang="0">
+                    <a:pos x="connsiteX2" y="connsiteY2"/>
+                  </a:cxn>
+                  <a:cxn ang="0">
+                    <a:pos x="connsiteX3" y="connsiteY3"/>
+                  </a:cxn>
+                </a:cxnLst>
+                <a:rect l="l" t="t" r="r" b="b"/>
+                <a:pathLst>
+                  <a:path w="360040" h="722688">
+                    <a:moveTo>
+                      <a:pt x="0" y="0"/>
+                    </a:moveTo>
+                    <a:lnTo>
+                      <a:pt x="360040" y="0"/>
+                    </a:lnTo>
+                    <a:lnTo>
+                      <a:pt x="360040" y="722688"/>
+                    </a:lnTo>
+                    <a:lnTo>
+                      <a:pt x="0" y="722688"/>
+                    </a:lnTo>
+                  </a:path>
+                </a:pathLst>
+              </a:custGeom>
               <a:noFill/>
               <a:ln w="19050">
                 <a:solidFill>
@@ -3868,11 +3930,73 @@
             <p:spPr>
               <a:xfrm>
                 <a:off x="8172400" y="536769"/>
-                <a:ext cx="720080" cy="1445376"/>
+                <a:ext cx="720080" cy="1445375"/>
               </a:xfrm>
-              <a:prstGeom prst="rect">
+              <a:custGeom>
                 <a:avLst/>
-              </a:prstGeom>
+                <a:gdLst>
+                  <a:gd name="connsiteX0" fmla="*/ 0 w 360040"/>
+                  <a:gd name="connsiteY0" fmla="*/ 0 h 722688"/>
+                  <a:gd name="connsiteX1" fmla="*/ 360040 w 360040"/>
+                  <a:gd name="connsiteY1" fmla="*/ 0 h 722688"/>
+                  <a:gd name="connsiteX2" fmla="*/ 360040 w 360040"/>
+                  <a:gd name="connsiteY2" fmla="*/ 722688 h 722688"/>
+                  <a:gd name="connsiteX3" fmla="*/ 0 w 360040"/>
+                  <a:gd name="connsiteY3" fmla="*/ 722688 h 722688"/>
+                  <a:gd name="connsiteX4" fmla="*/ 0 w 360040"/>
+                  <a:gd name="connsiteY4" fmla="*/ 0 h 722688"/>
+                  <a:gd name="connsiteX0" fmla="*/ 360040 w 451480"/>
+                  <a:gd name="connsiteY0" fmla="*/ 722688 h 814128"/>
+                  <a:gd name="connsiteX1" fmla="*/ 0 w 451480"/>
+                  <a:gd name="connsiteY1" fmla="*/ 722688 h 814128"/>
+                  <a:gd name="connsiteX2" fmla="*/ 0 w 451480"/>
+                  <a:gd name="connsiteY2" fmla="*/ 0 h 814128"/>
+                  <a:gd name="connsiteX3" fmla="*/ 360040 w 451480"/>
+                  <a:gd name="connsiteY3" fmla="*/ 0 h 814128"/>
+                  <a:gd name="connsiteX4" fmla="*/ 451480 w 451480"/>
+                  <a:gd name="connsiteY4" fmla="*/ 814128 h 814128"/>
+                  <a:gd name="connsiteX0" fmla="*/ 360040 w 360040"/>
+                  <a:gd name="connsiteY0" fmla="*/ 722688 h 722688"/>
+                  <a:gd name="connsiteX1" fmla="*/ 0 w 360040"/>
+                  <a:gd name="connsiteY1" fmla="*/ 722688 h 722688"/>
+                  <a:gd name="connsiteX2" fmla="*/ 0 w 360040"/>
+                  <a:gd name="connsiteY2" fmla="*/ 0 h 722688"/>
+                  <a:gd name="connsiteX3" fmla="*/ 360040 w 360040"/>
+                  <a:gd name="connsiteY3" fmla="*/ 0 h 722688"/>
+                </a:gdLst>
+                <a:ahLst/>
+                <a:cxnLst>
+                  <a:cxn ang="0">
+                    <a:pos x="connsiteX0" y="connsiteY0"/>
+                  </a:cxn>
+                  <a:cxn ang="0">
+                    <a:pos x="connsiteX1" y="connsiteY1"/>
+                  </a:cxn>
+                  <a:cxn ang="0">
+                    <a:pos x="connsiteX2" y="connsiteY2"/>
+                  </a:cxn>
+                  <a:cxn ang="0">
+                    <a:pos x="connsiteX3" y="connsiteY3"/>
+                  </a:cxn>
+                </a:cxnLst>
+                <a:rect l="l" t="t" r="r" b="b"/>
+                <a:pathLst>
+                  <a:path w="360040" h="722688">
+                    <a:moveTo>
+                      <a:pt x="360040" y="722688"/>
+                    </a:moveTo>
+                    <a:lnTo>
+                      <a:pt x="0" y="722688"/>
+                    </a:lnTo>
+                    <a:lnTo>
+                      <a:pt x="0" y="0"/>
+                    </a:lnTo>
+                    <a:lnTo>
+                      <a:pt x="360040" y="0"/>
+                    </a:lnTo>
+                  </a:path>
+                </a:pathLst>
+              </a:custGeom>
               <a:noFill/>
               <a:ln w="19050">
                 <a:solidFill>
@@ -4064,9 +4188,71 @@
                 <a:off x="3851920" y="4149080"/>
                 <a:ext cx="720080" cy="1445376"/>
               </a:xfrm>
-              <a:prstGeom prst="rect">
+              <a:custGeom>
                 <a:avLst/>
-              </a:prstGeom>
+                <a:gdLst>
+                  <a:gd name="connsiteX0" fmla="*/ 0 w 360040"/>
+                  <a:gd name="connsiteY0" fmla="*/ 0 h 1437264"/>
+                  <a:gd name="connsiteX1" fmla="*/ 360040 w 360040"/>
+                  <a:gd name="connsiteY1" fmla="*/ 0 h 1437264"/>
+                  <a:gd name="connsiteX2" fmla="*/ 360040 w 360040"/>
+                  <a:gd name="connsiteY2" fmla="*/ 1437264 h 1437264"/>
+                  <a:gd name="connsiteX3" fmla="*/ 0 w 360040"/>
+                  <a:gd name="connsiteY3" fmla="*/ 1437264 h 1437264"/>
+                  <a:gd name="connsiteX4" fmla="*/ 0 w 360040"/>
+                  <a:gd name="connsiteY4" fmla="*/ 0 h 1437264"/>
+                  <a:gd name="connsiteX0" fmla="*/ 0 w 360040"/>
+                  <a:gd name="connsiteY0" fmla="*/ 0 h 1437264"/>
+                  <a:gd name="connsiteX1" fmla="*/ 360040 w 360040"/>
+                  <a:gd name="connsiteY1" fmla="*/ 0 h 1437264"/>
+                  <a:gd name="connsiteX2" fmla="*/ 360040 w 360040"/>
+                  <a:gd name="connsiteY2" fmla="*/ 1437264 h 1437264"/>
+                  <a:gd name="connsiteX3" fmla="*/ 0 w 360040"/>
+                  <a:gd name="connsiteY3" fmla="*/ 1437264 h 1437264"/>
+                  <a:gd name="connsiteX4" fmla="*/ 91440 w 360040"/>
+                  <a:gd name="connsiteY4" fmla="*/ 91440 h 1437264"/>
+                  <a:gd name="connsiteX0" fmla="*/ 0 w 360040"/>
+                  <a:gd name="connsiteY0" fmla="*/ 0 h 1437264"/>
+                  <a:gd name="connsiteX1" fmla="*/ 360040 w 360040"/>
+                  <a:gd name="connsiteY1" fmla="*/ 0 h 1437264"/>
+                  <a:gd name="connsiteX2" fmla="*/ 360040 w 360040"/>
+                  <a:gd name="connsiteY2" fmla="*/ 1437264 h 1437264"/>
+                  <a:gd name="connsiteX3" fmla="*/ 0 w 360040"/>
+                  <a:gd name="connsiteY3" fmla="*/ 1437264 h 1437264"/>
+                </a:gdLst>
+                <a:ahLst/>
+                <a:cxnLst>
+                  <a:cxn ang="0">
+                    <a:pos x="connsiteX0" y="connsiteY0"/>
+                  </a:cxn>
+                  <a:cxn ang="0">
+                    <a:pos x="connsiteX1" y="connsiteY1"/>
+                  </a:cxn>
+                  <a:cxn ang="0">
+                    <a:pos x="connsiteX2" y="connsiteY2"/>
+                  </a:cxn>
+                  <a:cxn ang="0">
+                    <a:pos x="connsiteX3" y="connsiteY3"/>
+                  </a:cxn>
+                </a:cxnLst>
+                <a:rect l="l" t="t" r="r" b="b"/>
+                <a:pathLst>
+                  <a:path w="360040" h="1437264">
+                    <a:moveTo>
+                      <a:pt x="0" y="0"/>
+                    </a:moveTo>
+                    <a:lnTo>
+                      <a:pt x="360040" y="0"/>
+                    </a:lnTo>
+                    <a:lnTo>
+                      <a:pt x="360040" y="1437264"/>
+                    </a:lnTo>
+                    <a:lnTo>
+                      <a:pt x="0" y="1437264"/>
+                    </a:lnTo>
+                  </a:path>
+                </a:pathLst>
+              </a:custGeom>
               <a:noFill/>
               <a:ln w="19050">
                 <a:solidFill>
@@ -4110,9 +4296,71 @@
                 <a:off x="5296301" y="4149080"/>
                 <a:ext cx="720080" cy="1445376"/>
               </a:xfrm>
-              <a:prstGeom prst="rect">
+              <a:custGeom>
                 <a:avLst/>
-              </a:prstGeom>
+                <a:gdLst>
+                  <a:gd name="connsiteX0" fmla="*/ 0 w 360040"/>
+                  <a:gd name="connsiteY0" fmla="*/ 0 h 1437264"/>
+                  <a:gd name="connsiteX1" fmla="*/ 360040 w 360040"/>
+                  <a:gd name="connsiteY1" fmla="*/ 0 h 1437264"/>
+                  <a:gd name="connsiteX2" fmla="*/ 360040 w 360040"/>
+                  <a:gd name="connsiteY2" fmla="*/ 1437264 h 1437264"/>
+                  <a:gd name="connsiteX3" fmla="*/ 0 w 360040"/>
+                  <a:gd name="connsiteY3" fmla="*/ 1437264 h 1437264"/>
+                  <a:gd name="connsiteX4" fmla="*/ 0 w 360040"/>
+                  <a:gd name="connsiteY4" fmla="*/ 0 h 1437264"/>
+                  <a:gd name="connsiteX0" fmla="*/ 360040 w 451480"/>
+                  <a:gd name="connsiteY0" fmla="*/ 1437264 h 1528704"/>
+                  <a:gd name="connsiteX1" fmla="*/ 0 w 451480"/>
+                  <a:gd name="connsiteY1" fmla="*/ 1437264 h 1528704"/>
+                  <a:gd name="connsiteX2" fmla="*/ 0 w 451480"/>
+                  <a:gd name="connsiteY2" fmla="*/ 0 h 1528704"/>
+                  <a:gd name="connsiteX3" fmla="*/ 360040 w 451480"/>
+                  <a:gd name="connsiteY3" fmla="*/ 0 h 1528704"/>
+                  <a:gd name="connsiteX4" fmla="*/ 451480 w 451480"/>
+                  <a:gd name="connsiteY4" fmla="*/ 1528704 h 1528704"/>
+                  <a:gd name="connsiteX0" fmla="*/ 360040 w 360040"/>
+                  <a:gd name="connsiteY0" fmla="*/ 1437264 h 1437264"/>
+                  <a:gd name="connsiteX1" fmla="*/ 0 w 360040"/>
+                  <a:gd name="connsiteY1" fmla="*/ 1437264 h 1437264"/>
+                  <a:gd name="connsiteX2" fmla="*/ 0 w 360040"/>
+                  <a:gd name="connsiteY2" fmla="*/ 0 h 1437264"/>
+                  <a:gd name="connsiteX3" fmla="*/ 360040 w 360040"/>
+                  <a:gd name="connsiteY3" fmla="*/ 0 h 1437264"/>
+                </a:gdLst>
+                <a:ahLst/>
+                <a:cxnLst>
+                  <a:cxn ang="0">
+                    <a:pos x="connsiteX0" y="connsiteY0"/>
+                  </a:cxn>
+                  <a:cxn ang="0">
+                    <a:pos x="connsiteX1" y="connsiteY1"/>
+                  </a:cxn>
+                  <a:cxn ang="0">
+                    <a:pos x="connsiteX2" y="connsiteY2"/>
+                  </a:cxn>
+                  <a:cxn ang="0">
+                    <a:pos x="connsiteX3" y="connsiteY3"/>
+                  </a:cxn>
+                </a:cxnLst>
+                <a:rect l="l" t="t" r="r" b="b"/>
+                <a:pathLst>
+                  <a:path w="360040" h="1437264">
+                    <a:moveTo>
+                      <a:pt x="360040" y="1437264"/>
+                    </a:moveTo>
+                    <a:lnTo>
+                      <a:pt x="0" y="1437264"/>
+                    </a:lnTo>
+                    <a:lnTo>
+                      <a:pt x="0" y="0"/>
+                    </a:lnTo>
+                    <a:lnTo>
+                      <a:pt x="360040" y="0"/>
+                    </a:lnTo>
+                  </a:path>
+                </a:pathLst>
+              </a:custGeom>
               <a:noFill/>
               <a:ln w="19050">
                 <a:solidFill>
@@ -5627,11 +5875,7 @@
                 </a:r>
                 <a:r>
                   <a:rPr lang="en-GB" sz="2200" dirty="0" smtClean="0"/>
-                  <a:t> </a:t>
-                </a:r>
-                <a:r>
-                  <a:rPr lang="en-GB" sz="2200" dirty="0" smtClean="0"/>
-                  <a:t>= 1</a:t>
+                  <a:t> = 1</a:t>
                 </a:r>
                 <a:endParaRPr lang="en-GB" sz="2200" dirty="0"/>
               </a:p>
@@ -5665,11 +5909,7 @@
                 </a:r>
                 <a:r>
                   <a:rPr lang="en-GB" sz="2200" dirty="0" smtClean="0"/>
-                  <a:t> </a:t>
-                </a:r>
-                <a:r>
-                  <a:rPr lang="en-GB" sz="2200" dirty="0" smtClean="0"/>
-                  <a:t>= 2</a:t>
+                  <a:t> = 2</a:t>
                 </a:r>
                 <a:endParaRPr lang="en-GB" sz="2200" dirty="0"/>
               </a:p>
@@ -5703,11 +5943,7 @@
                 </a:r>
                 <a:r>
                   <a:rPr lang="en-GB" sz="2200" dirty="0" smtClean="0"/>
-                  <a:t> </a:t>
-                </a:r>
-                <a:r>
-                  <a:rPr lang="en-GB" sz="2200" dirty="0" smtClean="0"/>
-                  <a:t>= 3</a:t>
+                  <a:t> = 3</a:t>
                 </a:r>
                 <a:endParaRPr lang="en-GB" sz="2200" dirty="0"/>
               </a:p>

--- a/Chapter2/Figures/Fig2.pptx
+++ b/Chapter2/Figures/Fig2.pptx
@@ -7,7 +7,7 @@
   <p:sldIdLst>
     <p:sldId id="256" r:id="rId2"/>
   </p:sldIdLst>
-  <p:sldSz cx="11880850" cy="6840538"/>
+  <p:sldSz cx="6300788" cy="13501688"/>
   <p:notesSz cx="6858000" cy="9144000"/>
   <p:defaultTextStyle>
     <a:defPPr>
@@ -136,8 +136,8 @@
         </p:nvSpPr>
         <p:spPr>
           <a:xfrm>
-            <a:off x="891065" y="2125002"/>
-            <a:ext cx="10098723" cy="1466282"/>
+            <a:off x="472561" y="4194279"/>
+            <a:ext cx="5355670" cy="2894112"/>
           </a:xfrm>
         </p:spPr>
         <p:txBody>
@@ -164,8 +164,8 @@
         </p:nvSpPr>
         <p:spPr>
           <a:xfrm>
-            <a:off x="1782129" y="3876306"/>
-            <a:ext cx="8316595" cy="1748137"/>
+            <a:off x="945120" y="7650962"/>
+            <a:ext cx="4410552" cy="3450430"/>
           </a:xfrm>
         </p:spPr>
         <p:txBody>
@@ -288,7 +288,7 @@
           <a:p>
             <a:fld id="{B2D168A9-1B28-47B3-B1E4-8C97D41DF016}" type="datetimeFigureOut">
               <a:rPr lang="en-GB" smtClean="0"/>
-              <a:t>08/07/2014</a:t>
+              <a:t>31/08/2014</a:t>
             </a:fld>
             <a:endParaRPr lang="en-GB"/>
           </a:p>
@@ -458,7 +458,7 @@
           <a:p>
             <a:fld id="{B2D168A9-1B28-47B3-B1E4-8C97D41DF016}" type="datetimeFigureOut">
               <a:rPr lang="en-GB" smtClean="0"/>
-              <a:t>08/07/2014</a:t>
+              <a:t>31/08/2014</a:t>
             </a:fld>
             <a:endParaRPr lang="en-GB"/>
           </a:p>
@@ -548,8 +548,8 @@
         </p:nvSpPr>
         <p:spPr>
           <a:xfrm>
-            <a:off x="8613616" y="273940"/>
-            <a:ext cx="2673191" cy="5836626"/>
+            <a:off x="4568075" y="540699"/>
+            <a:ext cx="1417677" cy="11520191"/>
           </a:xfrm>
         </p:spPr>
         <p:txBody>
@@ -576,8 +576,8 @@
         </p:nvSpPr>
         <p:spPr>
           <a:xfrm>
-            <a:off x="594044" y="273940"/>
-            <a:ext cx="7821560" cy="5836626"/>
+            <a:off x="315045" y="540699"/>
+            <a:ext cx="4148019" cy="11520191"/>
           </a:xfrm>
         </p:spPr>
         <p:txBody>
@@ -638,7 +638,7 @@
           <a:p>
             <a:fld id="{B2D168A9-1B28-47B3-B1E4-8C97D41DF016}" type="datetimeFigureOut">
               <a:rPr lang="en-GB" smtClean="0"/>
-              <a:t>08/07/2014</a:t>
+              <a:t>31/08/2014</a:t>
             </a:fld>
             <a:endParaRPr lang="en-GB"/>
           </a:p>
@@ -808,7 +808,7 @@
           <a:p>
             <a:fld id="{B2D168A9-1B28-47B3-B1E4-8C97D41DF016}" type="datetimeFigureOut">
               <a:rPr lang="en-GB" smtClean="0"/>
-              <a:t>08/07/2014</a:t>
+              <a:t>31/08/2014</a:t>
             </a:fld>
             <a:endParaRPr lang="en-GB"/>
           </a:p>
@@ -898,8 +898,8 @@
         </p:nvSpPr>
         <p:spPr>
           <a:xfrm>
-            <a:off x="938506" y="4395681"/>
-            <a:ext cx="10098723" cy="1358607"/>
+            <a:off x="497719" y="8676090"/>
+            <a:ext cx="5355670" cy="2681585"/>
           </a:xfrm>
         </p:spPr>
         <p:txBody>
@@ -930,8 +930,8 @@
         </p:nvSpPr>
         <p:spPr>
           <a:xfrm>
-            <a:off x="938506" y="2899313"/>
-            <a:ext cx="10098723" cy="1496367"/>
+            <a:off x="497719" y="5722596"/>
+            <a:ext cx="5355670" cy="2953494"/>
           </a:xfrm>
         </p:spPr>
         <p:txBody>
@@ -1054,7 +1054,7 @@
           <a:p>
             <a:fld id="{B2D168A9-1B28-47B3-B1E4-8C97D41DF016}" type="datetimeFigureOut">
               <a:rPr lang="en-GB" smtClean="0"/>
-              <a:t>08/07/2014</a:t>
+              <a:t>31/08/2014</a:t>
             </a:fld>
             <a:endParaRPr lang="en-GB"/>
           </a:p>
@@ -1167,8 +1167,8 @@
         </p:nvSpPr>
         <p:spPr>
           <a:xfrm>
-            <a:off x="594043" y="1596127"/>
-            <a:ext cx="5247376" cy="4514439"/>
+            <a:off x="315043" y="3150399"/>
+            <a:ext cx="2782849" cy="8910490"/>
           </a:xfrm>
         </p:spPr>
         <p:txBody>
@@ -1252,8 +1252,8 @@
         </p:nvSpPr>
         <p:spPr>
           <a:xfrm>
-            <a:off x="6039431" y="1596127"/>
-            <a:ext cx="5247376" cy="4514439"/>
+            <a:off x="3202903" y="3150399"/>
+            <a:ext cx="2782849" cy="8910490"/>
           </a:xfrm>
         </p:spPr>
         <p:txBody>
@@ -1342,7 +1342,7 @@
           <a:p>
             <a:fld id="{B2D168A9-1B28-47B3-B1E4-8C97D41DF016}" type="datetimeFigureOut">
               <a:rPr lang="en-GB" smtClean="0"/>
-              <a:t>08/07/2014</a:t>
+              <a:t>31/08/2014</a:t>
             </a:fld>
             <a:endParaRPr lang="en-GB"/>
           </a:p>
@@ -1459,8 +1459,8 @@
         </p:nvSpPr>
         <p:spPr>
           <a:xfrm>
-            <a:off x="594043" y="1531205"/>
-            <a:ext cx="5249439" cy="638133"/>
+            <a:off x="315043" y="3022257"/>
+            <a:ext cx="2783943" cy="1259531"/>
           </a:xfrm>
         </p:spPr>
         <p:txBody>
@@ -1524,8 +1524,8 @@
         </p:nvSpPr>
         <p:spPr>
           <a:xfrm>
-            <a:off x="594043" y="2169338"/>
-            <a:ext cx="5249439" cy="3941227"/>
+            <a:off x="315043" y="4281789"/>
+            <a:ext cx="2783943" cy="7779098"/>
           </a:xfrm>
         </p:spPr>
         <p:txBody>
@@ -1609,8 +1609,8 @@
         </p:nvSpPr>
         <p:spPr>
           <a:xfrm>
-            <a:off x="6035309" y="1531205"/>
-            <a:ext cx="5251501" cy="638133"/>
+            <a:off x="3200715" y="3022257"/>
+            <a:ext cx="2785036" cy="1259531"/>
           </a:xfrm>
         </p:spPr>
         <p:txBody>
@@ -1674,8 +1674,8 @@
         </p:nvSpPr>
         <p:spPr>
           <a:xfrm>
-            <a:off x="6035309" y="2169338"/>
-            <a:ext cx="5251501" cy="3941227"/>
+            <a:off x="3200715" y="4281789"/>
+            <a:ext cx="2785036" cy="7779098"/>
           </a:xfrm>
         </p:spPr>
         <p:txBody>
@@ -1764,7 +1764,7 @@
           <a:p>
             <a:fld id="{B2D168A9-1B28-47B3-B1E4-8C97D41DF016}" type="datetimeFigureOut">
               <a:rPr lang="en-GB" smtClean="0"/>
-              <a:t>08/07/2014</a:t>
+              <a:t>31/08/2014</a:t>
             </a:fld>
             <a:endParaRPr lang="en-GB"/>
           </a:p>
@@ -1882,7 +1882,7 @@
           <a:p>
             <a:fld id="{B2D168A9-1B28-47B3-B1E4-8C97D41DF016}" type="datetimeFigureOut">
               <a:rPr lang="en-GB" smtClean="0"/>
-              <a:t>08/07/2014</a:t>
+              <a:t>31/08/2014</a:t>
             </a:fld>
             <a:endParaRPr lang="en-GB"/>
           </a:p>
@@ -1977,7 +1977,7 @@
           <a:p>
             <a:fld id="{B2D168A9-1B28-47B3-B1E4-8C97D41DF016}" type="datetimeFigureOut">
               <a:rPr lang="en-GB" smtClean="0"/>
-              <a:t>08/07/2014</a:t>
+              <a:t>31/08/2014</a:t>
             </a:fld>
             <a:endParaRPr lang="en-GB"/>
           </a:p>
@@ -2067,8 +2067,8 @@
         </p:nvSpPr>
         <p:spPr>
           <a:xfrm>
-            <a:off x="594045" y="272356"/>
-            <a:ext cx="3908717" cy="1159091"/>
+            <a:off x="315045" y="537573"/>
+            <a:ext cx="2072915" cy="2287786"/>
           </a:xfrm>
         </p:spPr>
         <p:txBody>
@@ -2099,8 +2099,8 @@
         </p:nvSpPr>
         <p:spPr>
           <a:xfrm>
-            <a:off x="4645082" y="272356"/>
-            <a:ext cx="6641725" cy="5838210"/>
+            <a:off x="2463435" y="537572"/>
+            <a:ext cx="3522316" cy="11523317"/>
           </a:xfrm>
         </p:spPr>
         <p:txBody>
@@ -2184,8 +2184,8 @@
         </p:nvSpPr>
         <p:spPr>
           <a:xfrm>
-            <a:off x="594045" y="1431447"/>
-            <a:ext cx="3908717" cy="4679119"/>
+            <a:off x="315045" y="2825359"/>
+            <a:ext cx="2072915" cy="9235531"/>
           </a:xfrm>
         </p:spPr>
         <p:txBody>
@@ -2254,7 +2254,7 @@
           <a:p>
             <a:fld id="{B2D168A9-1B28-47B3-B1E4-8C97D41DF016}" type="datetimeFigureOut">
               <a:rPr lang="en-GB" smtClean="0"/>
-              <a:t>08/07/2014</a:t>
+              <a:t>31/08/2014</a:t>
             </a:fld>
             <a:endParaRPr lang="en-GB"/>
           </a:p>
@@ -2344,8 +2344,8 @@
         </p:nvSpPr>
         <p:spPr>
           <a:xfrm>
-            <a:off x="2328731" y="4788378"/>
-            <a:ext cx="7128510" cy="565295"/>
+            <a:off x="1235002" y="9451186"/>
+            <a:ext cx="3780473" cy="1115765"/>
           </a:xfrm>
         </p:spPr>
         <p:txBody>
@@ -2376,8 +2376,8 @@
         </p:nvSpPr>
         <p:spPr>
           <a:xfrm>
-            <a:off x="2328731" y="611216"/>
-            <a:ext cx="7128510" cy="4104323"/>
+            <a:off x="1235002" y="1206405"/>
+            <a:ext cx="3780473" cy="8101013"/>
           </a:xfrm>
         </p:spPr>
         <p:txBody>
@@ -2437,8 +2437,8 @@
         </p:nvSpPr>
         <p:spPr>
           <a:xfrm>
-            <a:off x="2328731" y="5353672"/>
-            <a:ext cx="7128510" cy="802813"/>
+            <a:off x="1235002" y="10566950"/>
+            <a:ext cx="3780473" cy="1584573"/>
           </a:xfrm>
         </p:spPr>
         <p:txBody>
@@ -2507,7 +2507,7 @@
           <a:p>
             <a:fld id="{B2D168A9-1B28-47B3-B1E4-8C97D41DF016}" type="datetimeFigureOut">
               <a:rPr lang="en-GB" smtClean="0"/>
-              <a:t>08/07/2014</a:t>
+              <a:t>31/08/2014</a:t>
             </a:fld>
             <a:endParaRPr lang="en-GB"/>
           </a:p>
@@ -2602,8 +2602,8 @@
         </p:nvSpPr>
         <p:spPr>
           <a:xfrm>
-            <a:off x="594043" y="273939"/>
-            <a:ext cx="10692765" cy="1140090"/>
+            <a:off x="315044" y="540696"/>
+            <a:ext cx="5670709" cy="2250282"/>
           </a:xfrm>
           <a:prstGeom prst="rect">
             <a:avLst/>
@@ -2635,8 +2635,8 @@
         </p:nvSpPr>
         <p:spPr>
           <a:xfrm>
-            <a:off x="594043" y="1596127"/>
-            <a:ext cx="10692765" cy="4514439"/>
+            <a:off x="315044" y="3150399"/>
+            <a:ext cx="5670709" cy="8910490"/>
           </a:xfrm>
           <a:prstGeom prst="rect">
             <a:avLst/>
@@ -2697,8 +2697,8 @@
         </p:nvSpPr>
         <p:spPr>
           <a:xfrm>
-            <a:off x="594043" y="6340168"/>
-            <a:ext cx="2772199" cy="364195"/>
+            <a:off x="315041" y="12514073"/>
+            <a:ext cx="1470184" cy="718840"/>
           </a:xfrm>
           <a:prstGeom prst="rect">
             <a:avLst/>
@@ -2720,7 +2720,7 @@
           <a:p>
             <a:fld id="{B2D168A9-1B28-47B3-B1E4-8C97D41DF016}" type="datetimeFigureOut">
               <a:rPr lang="en-GB" smtClean="0"/>
-              <a:t>08/07/2014</a:t>
+              <a:t>31/08/2014</a:t>
             </a:fld>
             <a:endParaRPr lang="en-GB"/>
           </a:p>
@@ -2738,8 +2738,8 @@
         </p:nvSpPr>
         <p:spPr>
           <a:xfrm>
-            <a:off x="4059292" y="6340168"/>
-            <a:ext cx="3762269" cy="364195"/>
+            <a:off x="2152775" y="12514073"/>
+            <a:ext cx="1995249" cy="718840"/>
           </a:xfrm>
           <a:prstGeom prst="rect">
             <a:avLst/>
@@ -2775,8 +2775,8 @@
         </p:nvSpPr>
         <p:spPr>
           <a:xfrm>
-            <a:off x="8514609" y="6340168"/>
-            <a:ext cx="2772199" cy="364195"/>
+            <a:off x="4515566" y="12514073"/>
+            <a:ext cx="1470184" cy="718840"/>
           </a:xfrm>
           <a:prstGeom prst="rect">
             <a:avLst/>
@@ -3097,13 +3097,13 @@
       </p:grpSpPr>
       <p:grpSp>
         <p:nvGrpSpPr>
-          <p:cNvPr id="302" name="Group 301"/>
+          <p:cNvPr id="1007" name="Group 1006"/>
           <p:cNvGrpSpPr/>
           <p:nvPr/>
         </p:nvGrpSpPr>
         <p:grpSpPr>
           <a:xfrm>
-            <a:off x="262906" y="835551"/>
+            <a:off x="373268" y="693657"/>
             <a:ext cx="1082615" cy="1966528"/>
             <a:chOff x="153562" y="722147"/>
             <a:chExt cx="1082615" cy="1966528"/>
@@ -3111,7 +3111,7 @@
         </p:grpSpPr>
         <p:sp>
           <p:nvSpPr>
-            <p:cNvPr id="303" name="Rectangle 302"/>
+            <p:cNvPr id="1008" name="Rectangle 1007"/>
             <p:cNvSpPr/>
             <p:nvPr/>
           </p:nvSpPr>
@@ -3157,7 +3157,7 @@
         </p:sp>
         <p:grpSp>
           <p:nvGrpSpPr>
-            <p:cNvPr id="304" name="Group 303"/>
+            <p:cNvPr id="1009" name="Group 1008"/>
             <p:cNvGrpSpPr>
               <a:grpSpLocks noChangeAspect="1"/>
             </p:cNvGrpSpPr>
@@ -3173,7 +3173,7 @@
           </p:grpSpPr>
           <p:sp>
             <p:nvSpPr>
-              <p:cNvPr id="305" name="Freeform 304"/>
+              <p:cNvPr id="1010" name="Freeform 1009"/>
               <p:cNvSpPr/>
               <p:nvPr/>
             </p:nvSpPr>
@@ -3277,7 +3277,7 @@
           </p:sp>
           <p:sp>
             <p:nvSpPr>
-              <p:cNvPr id="306" name="Freeform 305"/>
+              <p:cNvPr id="1011" name="Freeform 1010"/>
               <p:cNvSpPr/>
               <p:nvPr/>
             </p:nvSpPr>
@@ -3383,13 +3383,13 @@
       </p:grpSp>
       <p:grpSp>
         <p:nvGrpSpPr>
-          <p:cNvPr id="307" name="Group 306"/>
+          <p:cNvPr id="1012" name="Group 1011"/>
           <p:cNvGrpSpPr/>
           <p:nvPr/>
         </p:nvGrpSpPr>
         <p:grpSpPr>
           <a:xfrm>
-            <a:off x="1617298" y="835551"/>
+            <a:off x="1727660" y="693657"/>
             <a:ext cx="1078302" cy="1966528"/>
             <a:chOff x="1337076" y="722147"/>
             <a:chExt cx="1078302" cy="1966528"/>
@@ -3397,7 +3397,7 @@
         </p:grpSpPr>
         <p:sp>
           <p:nvSpPr>
-            <p:cNvPr id="308" name="Rectangle 307"/>
+            <p:cNvPr id="1013" name="Rectangle 1012"/>
             <p:cNvSpPr/>
             <p:nvPr/>
           </p:nvSpPr>
@@ -3443,7 +3443,7 @@
         </p:sp>
         <p:grpSp>
           <p:nvGrpSpPr>
-            <p:cNvPr id="309" name="Group 308"/>
+            <p:cNvPr id="1014" name="Group 1013"/>
             <p:cNvGrpSpPr>
               <a:grpSpLocks noChangeAspect="1"/>
             </p:cNvGrpSpPr>
@@ -3459,7 +3459,7 @@
           </p:grpSpPr>
           <p:sp>
             <p:nvSpPr>
-              <p:cNvPr id="310" name="Freeform 309"/>
+              <p:cNvPr id="1015" name="Freeform 1014"/>
               <p:cNvSpPr/>
               <p:nvPr/>
             </p:nvSpPr>
@@ -3587,7 +3587,7 @@
           </p:sp>
           <p:sp>
             <p:nvSpPr>
-              <p:cNvPr id="311" name="Freeform 310"/>
+              <p:cNvPr id="1016" name="Freeform 1015"/>
               <p:cNvSpPr/>
               <p:nvPr/>
             </p:nvSpPr>
@@ -3693,13 +3693,13 @@
       </p:grpSp>
       <p:grpSp>
         <p:nvGrpSpPr>
-          <p:cNvPr id="312" name="Group 311"/>
+          <p:cNvPr id="1017" name="Group 1016"/>
           <p:cNvGrpSpPr/>
           <p:nvPr/>
         </p:nvGrpSpPr>
         <p:grpSpPr>
           <a:xfrm>
-            <a:off x="2987824" y="835551"/>
+            <a:off x="3098186" y="693657"/>
             <a:ext cx="1080120" cy="1966528"/>
             <a:chOff x="2525208" y="722147"/>
             <a:chExt cx="1080120" cy="1966528"/>
@@ -3707,7 +3707,7 @@
         </p:grpSpPr>
         <p:sp>
           <p:nvSpPr>
-            <p:cNvPr id="313" name="Rectangle 312"/>
+            <p:cNvPr id="1018" name="Rectangle 1017"/>
             <p:cNvSpPr/>
             <p:nvPr/>
           </p:nvSpPr>
@@ -3753,7 +3753,7 @@
         </p:sp>
         <p:grpSp>
           <p:nvGrpSpPr>
-            <p:cNvPr id="314" name="Group 313"/>
+            <p:cNvPr id="1019" name="Group 1018"/>
             <p:cNvGrpSpPr>
               <a:grpSpLocks noChangeAspect="1"/>
             </p:cNvGrpSpPr>
@@ -3769,7 +3769,7 @@
           </p:grpSpPr>
           <p:sp>
             <p:nvSpPr>
-              <p:cNvPr id="315" name="Rectangle 314"/>
+              <p:cNvPr id="1020" name="Rectangle 314"/>
               <p:cNvSpPr/>
               <p:nvPr/>
             </p:nvSpPr>
@@ -3877,7 +3877,7 @@
           </p:sp>
           <p:sp>
             <p:nvSpPr>
-              <p:cNvPr id="316" name="Rectangle 315"/>
+              <p:cNvPr id="1021" name="Rectangle 1020"/>
               <p:cNvSpPr/>
               <p:nvPr/>
             </p:nvSpPr>
@@ -3923,7 +3923,7 @@
           </p:sp>
           <p:sp>
             <p:nvSpPr>
-              <p:cNvPr id="317" name="Rectangle 316"/>
+              <p:cNvPr id="1022" name="Rectangle 316"/>
               <p:cNvSpPr/>
               <p:nvPr/>
             </p:nvSpPr>
@@ -4031,7 +4031,7 @@
           </p:sp>
           <p:cxnSp>
             <p:nvCxnSpPr>
-              <p:cNvPr id="318" name="Straight Connector 317"/>
+              <p:cNvPr id="1023" name="Straight Connector 1022"/>
               <p:cNvCxnSpPr/>
               <p:nvPr/>
             </p:nvCxnSpPr>
@@ -4066,7 +4066,7 @@
           </p:cxnSp>
           <p:cxnSp>
             <p:nvCxnSpPr>
-              <p:cNvPr id="319" name="Straight Connector 318"/>
+              <p:cNvPr id="1024" name="Straight Connector 1023"/>
               <p:cNvCxnSpPr/>
               <p:nvPr/>
             </p:nvCxnSpPr>
@@ -4103,13 +4103,13 @@
       </p:grpSp>
       <p:grpSp>
         <p:nvGrpSpPr>
-          <p:cNvPr id="320" name="Group 319"/>
+          <p:cNvPr id="1025" name="Group 1024"/>
           <p:cNvGrpSpPr/>
           <p:nvPr/>
         </p:nvGrpSpPr>
         <p:grpSpPr>
           <a:xfrm>
-            <a:off x="4425873" y="835551"/>
+            <a:off x="4536235" y="693657"/>
             <a:ext cx="1082231" cy="1966528"/>
             <a:chOff x="3785348" y="722147"/>
             <a:chExt cx="1082231" cy="1966528"/>
@@ -4117,7 +4117,7 @@
         </p:grpSpPr>
         <p:sp>
           <p:nvSpPr>
-            <p:cNvPr id="321" name="Rectangle 320"/>
+            <p:cNvPr id="1026" name="Rectangle 1025"/>
             <p:cNvSpPr/>
             <p:nvPr/>
           </p:nvSpPr>
@@ -4163,7 +4163,7 @@
         </p:sp>
         <p:grpSp>
           <p:nvGrpSpPr>
-            <p:cNvPr id="322" name="Group 321"/>
+            <p:cNvPr id="1027" name="Group 1026"/>
             <p:cNvGrpSpPr>
               <a:grpSpLocks noChangeAspect="1"/>
             </p:cNvGrpSpPr>
@@ -4179,7 +4179,7 @@
           </p:grpSpPr>
           <p:sp>
             <p:nvSpPr>
-              <p:cNvPr id="323" name="Rectangle 322"/>
+              <p:cNvPr id="1028" name="Rectangle 322"/>
               <p:cNvSpPr/>
               <p:nvPr/>
             </p:nvSpPr>
@@ -4287,7 +4287,7 @@
           </p:sp>
           <p:sp>
             <p:nvSpPr>
-              <p:cNvPr id="324" name="Rectangle 323"/>
+              <p:cNvPr id="1029" name="Rectangle 323"/>
               <p:cNvSpPr/>
               <p:nvPr/>
             </p:nvSpPr>
@@ -4395,7 +4395,7 @@
           </p:sp>
           <p:cxnSp>
             <p:nvCxnSpPr>
-              <p:cNvPr id="325" name="Straight Connector 324"/>
+              <p:cNvPr id="1030" name="Straight Connector 1029"/>
               <p:cNvCxnSpPr/>
               <p:nvPr/>
             </p:nvCxnSpPr>
@@ -4432,13 +4432,13 @@
       </p:grpSp>
       <p:sp>
         <p:nvSpPr>
-          <p:cNvPr id="326" name="TextBox 325"/>
+          <p:cNvPr id="1031" name="TextBox 1030"/>
           <p:cNvSpPr txBox="1"/>
           <p:nvPr/>
         </p:nvSpPr>
         <p:spPr>
           <a:xfrm>
-            <a:off x="353059" y="32048"/>
+            <a:off x="463421" y="-109846"/>
             <a:ext cx="902307" cy="430887"/>
           </a:xfrm>
           <a:prstGeom prst="rect">
@@ -4462,13 +4462,13 @@
       </p:sp>
       <p:sp>
         <p:nvSpPr>
-          <p:cNvPr id="327" name="TextBox 326"/>
+          <p:cNvPr id="1032" name="TextBox 1031"/>
           <p:cNvSpPr txBox="1"/>
           <p:nvPr/>
         </p:nvSpPr>
         <p:spPr>
           <a:xfrm>
-            <a:off x="2327414" y="16292"/>
+            <a:off x="2437776" y="-125602"/>
             <a:ext cx="1057786" cy="430887"/>
           </a:xfrm>
           <a:prstGeom prst="rect">
@@ -4492,14 +4492,14 @@
       </p:sp>
       <p:sp>
         <p:nvSpPr>
-          <p:cNvPr id="328" name="TextBox 327"/>
+          <p:cNvPr id="1033" name="TextBox 1032"/>
           <p:cNvSpPr txBox="1"/>
           <p:nvPr/>
         </p:nvSpPr>
         <p:spPr>
           <a:xfrm>
-            <a:off x="1543472" y="404664"/>
-            <a:ext cx="1440160" cy="430887"/>
+            <a:off x="1727955" y="262769"/>
+            <a:ext cx="1163327" cy="369332"/>
           </a:xfrm>
           <a:prstGeom prst="rect">
             <a:avLst/>
@@ -4513,23 +4513,23 @@
           <a:lstStyle/>
           <a:p>
             <a:r>
-              <a:rPr lang="en-GB" sz="2200" dirty="0" smtClean="0"/>
+              <a:rPr lang="en-GB" dirty="0" smtClean="0"/>
               <a:t>Staggered</a:t>
             </a:r>
-            <a:endParaRPr lang="en-GB" sz="2200" dirty="0"/>
-          </a:p>
-        </p:txBody>
-      </p:sp>
-      <p:sp>
-        <p:nvSpPr>
-          <p:cNvPr id="329" name="TextBox 328"/>
+            <a:endParaRPr lang="en-GB" dirty="0"/>
+          </a:p>
+        </p:txBody>
+      </p:sp>
+      <p:sp>
+        <p:nvSpPr>
+          <p:cNvPr id="1034" name="TextBox 1033"/>
           <p:cNvSpPr txBox="1"/>
           <p:nvPr/>
         </p:nvSpPr>
         <p:spPr>
           <a:xfrm>
-            <a:off x="2801732" y="414767"/>
-            <a:ext cx="1595772" cy="430887"/>
+            <a:off x="3025543" y="272873"/>
+            <a:ext cx="1266212" cy="369332"/>
           </a:xfrm>
           <a:prstGeom prst="rect">
             <a:avLst/>
@@ -4543,22 +4543,22 @@
           <a:lstStyle/>
           <a:p>
             <a:r>
-              <a:rPr lang="en-GB" sz="2200" dirty="0" smtClean="0"/>
+              <a:rPr lang="en-GB" dirty="0" smtClean="0"/>
               <a:t>Broken-gap</a:t>
             </a:r>
-            <a:endParaRPr lang="en-GB" sz="2200" dirty="0"/>
-          </a:p>
-        </p:txBody>
-      </p:sp>
-      <p:sp>
-        <p:nvSpPr>
-          <p:cNvPr id="330" name="TextBox 329"/>
+            <a:endParaRPr lang="en-GB" dirty="0"/>
+          </a:p>
+        </p:txBody>
+      </p:sp>
+      <p:sp>
+        <p:nvSpPr>
+          <p:cNvPr id="1035" name="TextBox 1034"/>
           <p:cNvSpPr txBox="1"/>
           <p:nvPr/>
         </p:nvSpPr>
         <p:spPr>
           <a:xfrm>
-            <a:off x="4433513" y="32048"/>
+            <a:off x="4543875" y="-109846"/>
             <a:ext cx="1057786" cy="430887"/>
           </a:xfrm>
           <a:prstGeom prst="rect">
@@ -4582,13 +4582,13 @@
       </p:sp>
       <p:sp>
         <p:nvSpPr>
-          <p:cNvPr id="331" name="TextBox 330"/>
+          <p:cNvPr id="1036" name="TextBox 1035"/>
           <p:cNvSpPr txBox="1"/>
           <p:nvPr/>
         </p:nvSpPr>
         <p:spPr>
           <a:xfrm rot="16200000">
-            <a:off x="482847" y="1622810"/>
+            <a:off x="593209" y="1480916"/>
             <a:ext cx="648072" cy="369332"/>
           </a:xfrm>
           <a:prstGeom prst="rect">
@@ -4612,13 +4612,13 @@
       </p:sp>
       <p:sp>
         <p:nvSpPr>
-          <p:cNvPr id="332" name="TextBox 331"/>
+          <p:cNvPr id="1037" name="TextBox 1036"/>
           <p:cNvSpPr txBox="1"/>
           <p:nvPr/>
         </p:nvSpPr>
         <p:spPr>
           <a:xfrm rot="16200000">
-            <a:off x="5503" y="1622810"/>
+            <a:off x="115865" y="1480916"/>
             <a:ext cx="864097" cy="369332"/>
           </a:xfrm>
           <a:prstGeom prst="rect">
@@ -4642,13 +4642,13 @@
       </p:sp>
       <p:sp>
         <p:nvSpPr>
-          <p:cNvPr id="333" name="TextBox 332"/>
+          <p:cNvPr id="1038" name="TextBox 1037"/>
           <p:cNvSpPr txBox="1"/>
           <p:nvPr/>
         </p:nvSpPr>
         <p:spPr>
           <a:xfrm rot="16200000">
-            <a:off x="744684" y="1637664"/>
+            <a:off x="855046" y="1495770"/>
             <a:ext cx="864097" cy="369332"/>
           </a:xfrm>
           <a:prstGeom prst="rect">
@@ -4672,7 +4672,7 @@
       </p:sp>
       <p:sp>
         <p:nvSpPr>
-          <p:cNvPr id="334" name="TextBox 333"/>
+          <p:cNvPr id="1039" name="TextBox 1038"/>
           <p:cNvSpPr txBox="1"/>
           <p:nvPr/>
         </p:nvSpPr>
@@ -4702,13 +4702,13 @@
       </p:sp>
       <p:cxnSp>
         <p:nvCxnSpPr>
-          <p:cNvPr id="335" name="Straight Arrow Connector 334"/>
+          <p:cNvPr id="1040" name="Straight Arrow Connector 1039"/>
           <p:cNvCxnSpPr/>
           <p:nvPr/>
         </p:nvCxnSpPr>
         <p:spPr>
           <a:xfrm flipV="1">
-            <a:off x="5940152" y="893614"/>
+            <a:off x="6050514" y="751720"/>
             <a:ext cx="0" cy="905996"/>
           </a:xfrm>
           <a:prstGeom prst="straightConnector1">
@@ -4738,13 +4738,13 @@
       </p:cxnSp>
       <p:sp>
         <p:nvSpPr>
-          <p:cNvPr id="336" name="TextBox 335"/>
+          <p:cNvPr id="1041" name="TextBox 1040"/>
           <p:cNvSpPr txBox="1"/>
           <p:nvPr/>
         </p:nvSpPr>
         <p:spPr>
           <a:xfrm>
-            <a:off x="5796136" y="587402"/>
+            <a:off x="5906498" y="445508"/>
             <a:ext cx="432048" cy="369332"/>
           </a:xfrm>
           <a:prstGeom prst="rect">
@@ -4768,13 +4768,13 @@
       </p:sp>
       <p:grpSp>
         <p:nvGrpSpPr>
-          <p:cNvPr id="337" name="Group 336"/>
+          <p:cNvPr id="1042" name="Group 1041"/>
           <p:cNvGrpSpPr/>
           <p:nvPr/>
         </p:nvGrpSpPr>
         <p:grpSpPr>
           <a:xfrm>
-            <a:off x="6490376" y="86171"/>
+            <a:off x="493619" y="2878645"/>
             <a:ext cx="1785405" cy="1059071"/>
             <a:chOff x="6603614" y="196533"/>
             <a:chExt cx="1785405" cy="1059071"/>
@@ -4782,7 +4782,7 @@
         </p:grpSpPr>
         <p:sp>
           <p:nvSpPr>
-            <p:cNvPr id="338" name="Freeform 337"/>
+            <p:cNvPr id="1043" name="Freeform 1042"/>
             <p:cNvSpPr/>
             <p:nvPr/>
           </p:nvSpPr>
@@ -4934,7 +4934,7 @@
         </p:sp>
         <p:cxnSp>
           <p:nvCxnSpPr>
-            <p:cNvPr id="339" name="Straight Connector 338"/>
+            <p:cNvPr id="1044" name="Straight Connector 1043"/>
             <p:cNvCxnSpPr/>
             <p:nvPr/>
           </p:nvCxnSpPr>
@@ -4970,7 +4970,7 @@
         </p:cxnSp>
         <p:cxnSp>
           <p:nvCxnSpPr>
-            <p:cNvPr id="340" name="Straight Connector 339"/>
+            <p:cNvPr id="1045" name="Straight Connector 1044"/>
             <p:cNvCxnSpPr/>
             <p:nvPr/>
           </p:nvCxnSpPr>
@@ -5006,7 +5006,7 @@
         </p:cxnSp>
         <p:cxnSp>
           <p:nvCxnSpPr>
-            <p:cNvPr id="341" name="Straight Connector 340"/>
+            <p:cNvPr id="1046" name="Straight Connector 1045"/>
             <p:cNvCxnSpPr/>
             <p:nvPr/>
           </p:nvCxnSpPr>
@@ -5043,13 +5043,13 @@
       </p:grpSp>
       <p:cxnSp>
         <p:nvCxnSpPr>
-          <p:cNvPr id="342" name="Straight Arrow Connector 341"/>
+          <p:cNvPr id="1047" name="Straight Arrow Connector 1046"/>
           <p:cNvCxnSpPr/>
           <p:nvPr/>
         </p:nvCxnSpPr>
         <p:spPr>
           <a:xfrm flipV="1">
-            <a:off x="7124077" y="1072610"/>
+            <a:off x="1127320" y="3865084"/>
             <a:ext cx="0" cy="651702"/>
           </a:xfrm>
           <a:prstGeom prst="straightConnector1">
@@ -5080,13 +5080,13 @@
       </p:cxnSp>
       <p:cxnSp>
         <p:nvCxnSpPr>
-          <p:cNvPr id="343" name="Straight Arrow Connector 342"/>
+          <p:cNvPr id="1048" name="Straight Arrow Connector 1047"/>
           <p:cNvCxnSpPr/>
           <p:nvPr/>
         </p:nvCxnSpPr>
         <p:spPr>
           <a:xfrm flipV="1">
-            <a:off x="7412109" y="804195"/>
+            <a:off x="1415352" y="3596669"/>
             <a:ext cx="0" cy="1188705"/>
           </a:xfrm>
           <a:prstGeom prst="straightConnector1">
@@ -5117,13 +5117,13 @@
       </p:cxnSp>
       <p:cxnSp>
         <p:nvCxnSpPr>
-          <p:cNvPr id="344" name="Straight Arrow Connector 343"/>
+          <p:cNvPr id="1049" name="Straight Arrow Connector 1048"/>
           <p:cNvCxnSpPr/>
           <p:nvPr/>
         </p:nvCxnSpPr>
         <p:spPr>
           <a:xfrm flipV="1">
-            <a:off x="7700141" y="415012"/>
+            <a:off x="1703384" y="3207486"/>
             <a:ext cx="0" cy="1966898"/>
           </a:xfrm>
           <a:prstGeom prst="straightConnector1">
@@ -5154,13 +5154,13 @@
       </p:cxnSp>
       <p:sp>
         <p:nvSpPr>
-          <p:cNvPr id="345" name="TextBox 344"/>
+          <p:cNvPr id="1050" name="TextBox 1049"/>
           <p:cNvSpPr txBox="1"/>
           <p:nvPr/>
         </p:nvSpPr>
         <p:spPr>
           <a:xfrm>
-            <a:off x="7889563" y="1493009"/>
+            <a:off x="1892806" y="4285483"/>
             <a:ext cx="936104" cy="430887"/>
           </a:xfrm>
           <a:prstGeom prst="rect">
@@ -5184,13 +5184,13 @@
       </p:sp>
       <p:sp>
         <p:nvSpPr>
-          <p:cNvPr id="346" name="TextBox 345"/>
+          <p:cNvPr id="1051" name="TextBox 1050"/>
           <p:cNvSpPr txBox="1"/>
           <p:nvPr/>
         </p:nvSpPr>
         <p:spPr>
           <a:xfrm>
-            <a:off x="7889562" y="1758277"/>
+            <a:off x="1892805" y="4550751"/>
             <a:ext cx="936104" cy="430887"/>
           </a:xfrm>
           <a:prstGeom prst="rect">
@@ -5214,13 +5214,13 @@
       </p:sp>
       <p:sp>
         <p:nvSpPr>
-          <p:cNvPr id="347" name="TextBox 346"/>
+          <p:cNvPr id="1052" name="TextBox 1051"/>
           <p:cNvSpPr txBox="1"/>
           <p:nvPr/>
         </p:nvSpPr>
         <p:spPr>
           <a:xfrm>
-            <a:off x="7889562" y="2167671"/>
+            <a:off x="1892805" y="4960145"/>
             <a:ext cx="936104" cy="430887"/>
           </a:xfrm>
           <a:prstGeom prst="rect">
@@ -5244,13 +5244,13 @@
       </p:sp>
       <p:grpSp>
         <p:nvGrpSpPr>
-          <p:cNvPr id="348" name="Group 347"/>
+          <p:cNvPr id="1053" name="Group 1052"/>
           <p:cNvGrpSpPr/>
           <p:nvPr/>
         </p:nvGrpSpPr>
         <p:grpSpPr>
           <a:xfrm flipV="1">
-            <a:off x="6501702" y="1651851"/>
+            <a:off x="504945" y="4444325"/>
             <a:ext cx="1785405" cy="1059071"/>
             <a:chOff x="6603614" y="196533"/>
             <a:chExt cx="1785405" cy="1059071"/>
@@ -5258,7 +5258,7 @@
         </p:grpSpPr>
         <p:sp>
           <p:nvSpPr>
-            <p:cNvPr id="349" name="Freeform 348"/>
+            <p:cNvPr id="1054" name="Freeform 1053"/>
             <p:cNvSpPr/>
             <p:nvPr/>
           </p:nvSpPr>
@@ -5410,7 +5410,7 @@
         </p:sp>
         <p:cxnSp>
           <p:nvCxnSpPr>
-            <p:cNvPr id="350" name="Straight Connector 349"/>
+            <p:cNvPr id="1055" name="Straight Connector 1054"/>
             <p:cNvCxnSpPr/>
             <p:nvPr/>
           </p:nvCxnSpPr>
@@ -5446,7 +5446,7 @@
         </p:cxnSp>
         <p:cxnSp>
           <p:nvCxnSpPr>
-            <p:cNvPr id="351" name="Straight Connector 350"/>
+            <p:cNvPr id="1056" name="Straight Connector 1055"/>
             <p:cNvCxnSpPr/>
             <p:nvPr/>
           </p:nvCxnSpPr>
@@ -5482,7 +5482,7 @@
         </p:cxnSp>
         <p:cxnSp>
           <p:nvCxnSpPr>
-            <p:cNvPr id="352" name="Straight Connector 351"/>
+            <p:cNvPr id="1057" name="Straight Connector 1056"/>
             <p:cNvCxnSpPr/>
             <p:nvPr/>
           </p:nvCxnSpPr>
@@ -5519,13 +5519,13 @@
       </p:grpSp>
       <p:sp>
         <p:nvSpPr>
-          <p:cNvPr id="353" name="TextBox 352"/>
+          <p:cNvPr id="1058" name="TextBox 1057"/>
           <p:cNvSpPr txBox="1"/>
           <p:nvPr/>
         </p:nvSpPr>
         <p:spPr>
           <a:xfrm>
-            <a:off x="7887241" y="838879"/>
+            <a:off x="1890484" y="3631353"/>
             <a:ext cx="936104" cy="430887"/>
           </a:xfrm>
           <a:prstGeom prst="rect">
@@ -5549,13 +5549,13 @@
       </p:sp>
       <p:sp>
         <p:nvSpPr>
-          <p:cNvPr id="354" name="TextBox 353"/>
+          <p:cNvPr id="1059" name="TextBox 1058"/>
           <p:cNvSpPr txBox="1"/>
           <p:nvPr/>
         </p:nvSpPr>
         <p:spPr>
           <a:xfrm>
-            <a:off x="7900889" y="568771"/>
+            <a:off x="1904132" y="3361245"/>
             <a:ext cx="936104" cy="430887"/>
           </a:xfrm>
           <a:prstGeom prst="rect">
@@ -5579,13 +5579,13 @@
       </p:sp>
       <p:sp>
         <p:nvSpPr>
-          <p:cNvPr id="355" name="TextBox 354"/>
+          <p:cNvPr id="1060" name="TextBox 1059"/>
           <p:cNvSpPr txBox="1"/>
           <p:nvPr/>
         </p:nvSpPr>
         <p:spPr>
           <a:xfrm>
-            <a:off x="7914076" y="199568"/>
+            <a:off x="1917319" y="2992042"/>
             <a:ext cx="936104" cy="430887"/>
           </a:xfrm>
           <a:prstGeom prst="rect">
@@ -5609,13 +5609,13 @@
       </p:sp>
       <p:cxnSp>
         <p:nvCxnSpPr>
-          <p:cNvPr id="356" name="Straight Arrow Connector 355"/>
+          <p:cNvPr id="1061" name="Straight Arrow Connector 1060"/>
           <p:cNvCxnSpPr/>
           <p:nvPr/>
         </p:nvCxnSpPr>
         <p:spPr>
           <a:xfrm>
-            <a:off x="8576221" y="1483440"/>
+            <a:off x="2579464" y="4275914"/>
             <a:ext cx="676572" cy="0"/>
           </a:xfrm>
           <a:prstGeom prst="straightConnector1">
@@ -5645,7 +5645,7 @@
       </p:cxnSp>
       <p:grpSp>
         <p:nvGrpSpPr>
-          <p:cNvPr id="357" name="Group 356"/>
+          <p:cNvPr id="1062" name="Group 1061"/>
           <p:cNvGrpSpPr>
             <a:grpSpLocks noChangeAspect="1"/>
           </p:cNvGrpSpPr>
@@ -5653,7 +5653,7 @@
         </p:nvGrpSpPr>
         <p:grpSpPr>
           <a:xfrm>
-            <a:off x="8903180" y="-82296"/>
+            <a:off x="2906423" y="2710178"/>
             <a:ext cx="2980823" cy="3225501"/>
             <a:chOff x="9579345" y="-82297"/>
             <a:chExt cx="3240024" cy="3505979"/>
@@ -5661,7 +5661,7 @@
         </p:grpSpPr>
         <p:grpSp>
           <p:nvGrpSpPr>
-            <p:cNvPr id="358" name="Group 357"/>
+            <p:cNvPr id="1063" name="Group 1062"/>
             <p:cNvGrpSpPr/>
             <p:nvPr/>
           </p:nvGrpSpPr>
@@ -5675,7 +5675,7 @@
           </p:grpSpPr>
           <p:sp>
             <p:nvSpPr>
-              <p:cNvPr id="361" name="Freeform 360"/>
+              <p:cNvPr id="1066" name="Freeform 1065"/>
               <p:cNvSpPr>
                 <a:spLocks noChangeAspect="1"/>
               </p:cNvSpPr>
@@ -5761,7 +5761,7 @@
           </p:sp>
           <p:grpSp>
             <p:nvGrpSpPr>
-              <p:cNvPr id="362" name="Group 361"/>
+              <p:cNvPr id="1067" name="Group 1066"/>
               <p:cNvGrpSpPr/>
               <p:nvPr/>
             </p:nvGrpSpPr>
@@ -5775,7 +5775,7 @@
             </p:grpSpPr>
             <p:cxnSp>
               <p:nvCxnSpPr>
-                <p:cNvPr id="368" name="Straight Arrow Connector 367"/>
+                <p:cNvPr id="1073" name="Straight Arrow Connector 1072"/>
                 <p:cNvCxnSpPr/>
                 <p:nvPr/>
               </p:nvCxnSpPr>
@@ -5811,7 +5811,7 @@
             </p:cxnSp>
             <p:cxnSp>
               <p:nvCxnSpPr>
-                <p:cNvPr id="369" name="Straight Arrow Connector 368"/>
+                <p:cNvPr id="1074" name="Straight Arrow Connector 1073"/>
                 <p:cNvCxnSpPr/>
                 <p:nvPr/>
               </p:nvCxnSpPr>
@@ -5849,7 +5849,7 @@
           </p:grpSp>
           <p:sp>
             <p:nvSpPr>
-              <p:cNvPr id="363" name="TextBox 362"/>
+              <p:cNvPr id="1068" name="TextBox 1067"/>
               <p:cNvSpPr txBox="1"/>
               <p:nvPr/>
             </p:nvSpPr>
@@ -5883,7 +5883,7 @@
           </p:sp>
           <p:sp>
             <p:nvSpPr>
-              <p:cNvPr id="364" name="TextBox 363"/>
+              <p:cNvPr id="1069" name="TextBox 1068"/>
               <p:cNvSpPr txBox="1"/>
               <p:nvPr/>
             </p:nvSpPr>
@@ -5917,7 +5917,7 @@
           </p:sp>
           <p:sp>
             <p:nvSpPr>
-              <p:cNvPr id="365" name="TextBox 364"/>
+              <p:cNvPr id="1070" name="TextBox 1069"/>
               <p:cNvSpPr txBox="1"/>
               <p:nvPr/>
             </p:nvSpPr>
@@ -5951,7 +5951,7 @@
           </p:sp>
           <p:sp>
             <p:nvSpPr>
-              <p:cNvPr id="366" name="TextBox 365"/>
+              <p:cNvPr id="1071" name="TextBox 1070"/>
               <p:cNvSpPr txBox="1"/>
               <p:nvPr/>
             </p:nvSpPr>
@@ -5981,7 +5981,7 @@
           </p:sp>
           <p:sp>
             <p:nvSpPr>
-              <p:cNvPr id="367" name="TextBox 366"/>
+              <p:cNvPr id="1072" name="TextBox 1071"/>
               <p:cNvSpPr txBox="1"/>
               <p:nvPr/>
             </p:nvSpPr>
@@ -6012,7 +6012,7 @@
         </p:grpSp>
         <p:sp>
           <p:nvSpPr>
-            <p:cNvPr id="359" name="Freeform 358"/>
+            <p:cNvPr id="1064" name="Freeform 1063"/>
             <p:cNvSpPr/>
             <p:nvPr/>
           </p:nvSpPr>
@@ -6096,7 +6096,7 @@
         </p:sp>
         <p:sp>
           <p:nvSpPr>
-            <p:cNvPr id="360" name="Freeform 359"/>
+            <p:cNvPr id="1065" name="Freeform 1064"/>
             <p:cNvSpPr>
               <a:spLocks noChangeAspect="1"/>
             </p:cNvSpPr>
@@ -6183,13 +6183,13 @@
       </p:grpSp>
       <p:sp>
         <p:nvSpPr>
-          <p:cNvPr id="370" name="TextBox 369"/>
+          <p:cNvPr id="1075" name="TextBox 1074"/>
           <p:cNvSpPr txBox="1"/>
           <p:nvPr/>
         </p:nvSpPr>
         <p:spPr>
           <a:xfrm>
-            <a:off x="5984880" y="-6792"/>
+            <a:off x="-11877" y="2785682"/>
             <a:ext cx="576064" cy="477054"/>
           </a:xfrm>
           <a:prstGeom prst="rect">
@@ -6213,13 +6213,13 @@
       </p:sp>
       <p:sp>
         <p:nvSpPr>
-          <p:cNvPr id="371" name="TextBox 370"/>
+          <p:cNvPr id="1076" name="TextBox 1075"/>
           <p:cNvSpPr txBox="1"/>
           <p:nvPr/>
         </p:nvSpPr>
         <p:spPr>
           <a:xfrm>
-            <a:off x="-59854" y="3300620"/>
+            <a:off x="-11325" y="5938176"/>
             <a:ext cx="576064" cy="477054"/>
           </a:xfrm>
           <a:prstGeom prst="rect">
@@ -6243,13 +6243,13 @@
       </p:sp>
       <p:grpSp>
         <p:nvGrpSpPr>
-          <p:cNvPr id="372" name="Group 371"/>
+          <p:cNvPr id="1077" name="Group 1076"/>
           <p:cNvGrpSpPr/>
           <p:nvPr/>
         </p:nvGrpSpPr>
         <p:grpSpPr>
           <a:xfrm>
-            <a:off x="642838" y="3539147"/>
+            <a:off x="691367" y="6176703"/>
             <a:ext cx="5297314" cy="2664296"/>
             <a:chOff x="594742" y="3780482"/>
             <a:chExt cx="5297314" cy="2664296"/>
@@ -6257,7 +6257,7 @@
         </p:grpSpPr>
         <p:cxnSp>
           <p:nvCxnSpPr>
-            <p:cNvPr id="373" name="Straight Arrow Connector 372"/>
+            <p:cNvPr id="1078" name="Straight Arrow Connector 1077"/>
             <p:cNvCxnSpPr/>
             <p:nvPr/>
           </p:nvCxnSpPr>
@@ -6293,7 +6293,7 @@
         </p:cxnSp>
         <p:cxnSp>
           <p:nvCxnSpPr>
-            <p:cNvPr id="374" name="Straight Arrow Connector 373"/>
+            <p:cNvPr id="1079" name="Straight Arrow Connector 1078"/>
             <p:cNvCxnSpPr/>
             <p:nvPr/>
           </p:nvCxnSpPr>
@@ -6330,13 +6330,13 @@
       </p:grpSp>
       <p:cxnSp>
         <p:nvCxnSpPr>
-          <p:cNvPr id="375" name="Straight Connector 374"/>
+          <p:cNvPr id="1080" name="Straight Connector 1079"/>
           <p:cNvCxnSpPr/>
           <p:nvPr/>
         </p:nvCxnSpPr>
         <p:spPr>
           <a:xfrm>
-            <a:off x="1432818" y="3827179"/>
+            <a:off x="1481347" y="6464735"/>
             <a:ext cx="0" cy="2371310"/>
           </a:xfrm>
           <a:prstGeom prst="line">
@@ -6365,13 +6365,13 @@
       </p:cxnSp>
       <p:sp>
         <p:nvSpPr>
-          <p:cNvPr id="376" name="TextBox 375"/>
+          <p:cNvPr id="1081" name="TextBox 1080"/>
           <p:cNvSpPr txBox="1"/>
           <p:nvPr/>
         </p:nvSpPr>
         <p:spPr>
           <a:xfrm>
-            <a:off x="1031750" y="3423080"/>
+            <a:off x="1080279" y="6060636"/>
             <a:ext cx="802136" cy="430887"/>
           </a:xfrm>
           <a:prstGeom prst="rect">
@@ -6395,13 +6395,13 @@
       </p:sp>
       <p:sp>
         <p:nvSpPr>
-          <p:cNvPr id="377" name="TextBox 376"/>
+          <p:cNvPr id="1082" name="TextBox 1081"/>
           <p:cNvSpPr txBox="1"/>
           <p:nvPr/>
         </p:nvSpPr>
         <p:spPr>
           <a:xfrm>
-            <a:off x="2700387" y="5208979"/>
+            <a:off x="2748916" y="7846535"/>
             <a:ext cx="822909" cy="430887"/>
           </a:xfrm>
           <a:prstGeom prst="rect">
@@ -6433,13 +6433,13 @@
       </p:sp>
       <p:sp>
         <p:nvSpPr>
-          <p:cNvPr id="378" name="TextBox 377"/>
+          <p:cNvPr id="1083" name="TextBox 1082"/>
           <p:cNvSpPr txBox="1"/>
           <p:nvPr/>
         </p:nvSpPr>
         <p:spPr>
           <a:xfrm>
-            <a:off x="300186" y="3396292"/>
+            <a:off x="348715" y="6033848"/>
             <a:ext cx="599999" cy="430887"/>
           </a:xfrm>
           <a:prstGeom prst="rect">
@@ -6462,7 +6462,7 @@
       </p:sp>
       <p:sp>
         <p:nvSpPr>
-          <p:cNvPr id="379" name="Freeform 378"/>
+          <p:cNvPr id="1084" name="Freeform 1083"/>
           <p:cNvSpPr>
             <a:spLocks/>
           </p:cNvSpPr>
@@ -6470,7 +6470,7 @@
         </p:nvSpPr>
         <p:spPr>
           <a:xfrm rot="16200000">
-            <a:off x="1953832" y="2804792"/>
+            <a:off x="2002361" y="5442348"/>
             <a:ext cx="2401372" cy="4347136"/>
           </a:xfrm>
           <a:custGeom>
@@ -6547,13 +6547,13 @@
       </p:sp>
       <p:sp>
         <p:nvSpPr>
-          <p:cNvPr id="380" name="Freeform 379"/>
+          <p:cNvPr id="1085" name="Freeform 1084"/>
           <p:cNvSpPr/>
           <p:nvPr/>
         </p:nvSpPr>
         <p:spPr>
           <a:xfrm>
-            <a:off x="1542197" y="4117391"/>
+            <a:off x="1590726" y="6754947"/>
             <a:ext cx="3814549" cy="2088107"/>
           </a:xfrm>
           <a:custGeom>
@@ -6704,13 +6704,13 @@
       </p:sp>
       <p:cxnSp>
         <p:nvCxnSpPr>
-          <p:cNvPr id="381" name="Straight Connector 380"/>
+          <p:cNvPr id="1086" name="Straight Connector 1085"/>
           <p:cNvCxnSpPr/>
           <p:nvPr/>
         </p:nvCxnSpPr>
         <p:spPr>
           <a:xfrm>
-            <a:off x="4332188" y="3539147"/>
+            <a:off x="4380717" y="6176703"/>
             <a:ext cx="0" cy="1128774"/>
           </a:xfrm>
           <a:prstGeom prst="line">
@@ -6739,13 +6739,13 @@
       </p:cxnSp>
       <p:cxnSp>
         <p:nvCxnSpPr>
-          <p:cNvPr id="382" name="Straight Connector 381"/>
+          <p:cNvPr id="1087" name="Straight Connector 1086"/>
           <p:cNvCxnSpPr/>
           <p:nvPr/>
         </p:nvCxnSpPr>
         <p:spPr>
           <a:xfrm>
-            <a:off x="2600325" y="3827179"/>
+            <a:off x="2648854" y="6464735"/>
             <a:ext cx="0" cy="1518226"/>
           </a:xfrm>
           <a:prstGeom prst="line">
@@ -6774,13 +6774,13 @@
       </p:cxnSp>
       <p:sp>
         <p:nvSpPr>
-          <p:cNvPr id="383" name="Freeform 382"/>
+          <p:cNvPr id="1088" name="Freeform 1087"/>
           <p:cNvSpPr/>
           <p:nvPr/>
         </p:nvSpPr>
         <p:spPr>
           <a:xfrm>
-            <a:off x="1524000" y="5069180"/>
+            <a:off x="1572529" y="7706736"/>
             <a:ext cx="1181125" cy="302865"/>
           </a:xfrm>
           <a:custGeom>
@@ -6962,13 +6962,13 @@
       </p:sp>
       <p:sp>
         <p:nvSpPr>
-          <p:cNvPr id="384" name="Freeform 383"/>
+          <p:cNvPr id="1089" name="Freeform 1088"/>
           <p:cNvSpPr/>
           <p:nvPr/>
         </p:nvSpPr>
         <p:spPr>
           <a:xfrm>
-            <a:off x="2706799" y="4425370"/>
+            <a:off x="2755328" y="7062926"/>
             <a:ext cx="1726714" cy="242552"/>
           </a:xfrm>
           <a:custGeom>
@@ -7150,13 +7150,13 @@
       </p:sp>
       <p:sp>
         <p:nvSpPr>
-          <p:cNvPr id="385" name="Freeform 384"/>
+          <p:cNvPr id="1090" name="Freeform 1089"/>
           <p:cNvSpPr/>
           <p:nvPr/>
         </p:nvSpPr>
         <p:spPr>
           <a:xfrm>
-            <a:off x="4435629" y="3775740"/>
+            <a:off x="4484158" y="6413296"/>
             <a:ext cx="921117" cy="151432"/>
           </a:xfrm>
           <a:custGeom>
@@ -7338,13 +7338,13 @@
       </p:sp>
       <p:sp>
         <p:nvSpPr>
-          <p:cNvPr id="386" name="TextBox 385"/>
+          <p:cNvPr id="1091" name="TextBox 1090"/>
           <p:cNvSpPr txBox="1"/>
           <p:nvPr/>
         </p:nvSpPr>
         <p:spPr>
           <a:xfrm>
-            <a:off x="4428579" y="4581947"/>
+            <a:off x="4477108" y="7219503"/>
             <a:ext cx="822909" cy="430887"/>
           </a:xfrm>
           <a:prstGeom prst="rect">
@@ -7376,13 +7376,13 @@
       </p:sp>
       <p:sp>
         <p:nvSpPr>
-          <p:cNvPr id="387" name="TextBox 386"/>
+          <p:cNvPr id="1092" name="TextBox 1091"/>
           <p:cNvSpPr txBox="1"/>
           <p:nvPr/>
         </p:nvSpPr>
         <p:spPr>
           <a:xfrm>
-            <a:off x="5405275" y="3888090"/>
+            <a:off x="5453804" y="6525646"/>
             <a:ext cx="822909" cy="430887"/>
           </a:xfrm>
           <a:prstGeom prst="rect">
@@ -7414,13 +7414,13 @@
       </p:sp>
       <p:sp>
         <p:nvSpPr>
-          <p:cNvPr id="388" name="TextBox 387"/>
+          <p:cNvPr id="1093" name="TextBox 1092"/>
           <p:cNvSpPr txBox="1"/>
           <p:nvPr/>
         </p:nvSpPr>
         <p:spPr>
           <a:xfrm>
-            <a:off x="2199257" y="3396292"/>
+            <a:off x="2247786" y="6033848"/>
             <a:ext cx="802136" cy="430887"/>
           </a:xfrm>
           <a:prstGeom prst="rect">
@@ -7444,13 +7444,13 @@
       </p:sp>
       <p:sp>
         <p:nvSpPr>
-          <p:cNvPr id="389" name="TextBox 388"/>
+          <p:cNvPr id="1094" name="TextBox 1093"/>
           <p:cNvSpPr txBox="1"/>
           <p:nvPr/>
         </p:nvSpPr>
         <p:spPr>
           <a:xfrm>
-            <a:off x="3931120" y="3108260"/>
+            <a:off x="3979649" y="5866131"/>
             <a:ext cx="802136" cy="430887"/>
           </a:xfrm>
           <a:prstGeom prst="rect">
@@ -7474,13 +7474,13 @@
       </p:sp>
       <p:sp>
         <p:nvSpPr>
-          <p:cNvPr id="390" name="TextBox 389"/>
+          <p:cNvPr id="1095" name="TextBox 1094"/>
           <p:cNvSpPr txBox="1"/>
           <p:nvPr/>
         </p:nvSpPr>
         <p:spPr>
           <a:xfrm>
-            <a:off x="5915153" y="6041543"/>
+            <a:off x="5963682" y="8679099"/>
             <a:ext cx="397484" cy="339785"/>
           </a:xfrm>
           <a:prstGeom prst="rect">
@@ -7504,13 +7504,13 @@
       </p:sp>
       <p:sp>
         <p:nvSpPr>
-          <p:cNvPr id="391" name="TextBox 390"/>
+          <p:cNvPr id="1096" name="TextBox 1095"/>
           <p:cNvSpPr txBox="1"/>
           <p:nvPr/>
         </p:nvSpPr>
         <p:spPr>
           <a:xfrm>
-            <a:off x="6804248" y="3231247"/>
+            <a:off x="-11877" y="9090098"/>
             <a:ext cx="576064" cy="477054"/>
           </a:xfrm>
           <a:prstGeom prst="rect">
@@ -7532,510 +7532,68 @@
           </a:p>
         </p:txBody>
       </p:sp>
-      <p:grpSp>
-        <p:nvGrpSpPr>
-          <p:cNvPr id="392" name="Group 391"/>
-          <p:cNvGrpSpPr/>
+      <p:pic>
+        <p:nvPicPr>
+          <p:cNvPr id="1097" name="Picture 2"/>
+          <p:cNvPicPr>
+            <a:picLocks noChangeAspect="1" noChangeArrowheads="1"/>
+          </p:cNvPicPr>
           <p:nvPr/>
-        </p:nvGrpSpPr>
-        <p:grpSpPr>
-          <a:xfrm>
-            <a:off x="6996932" y="3207557"/>
-            <a:ext cx="4369007" cy="3663325"/>
-            <a:chOff x="6996932" y="3207557"/>
-            <a:chExt cx="4369007" cy="3663325"/>
-          </a:xfrm>
-        </p:grpSpPr>
-        <p:pic>
-          <p:nvPicPr>
-            <p:cNvPr id="393" name="Picture 2"/>
-            <p:cNvPicPr>
-              <a:picLocks noChangeAspect="1" noChangeArrowheads="1"/>
-            </p:cNvPicPr>
-            <p:nvPr/>
-          </p:nvPicPr>
-          <p:blipFill rotWithShape="1">
-            <a:blip r:embed="rId2">
-              <a:extLst>
-                <a:ext uri="{28A0092B-C50C-407E-A947-70E740481C1C}">
-                  <a14:useLocalDpi xmlns:a14="http://schemas.microsoft.com/office/drawing/2010/main" val="0"/>
-                </a:ext>
-              </a:extLst>
-            </a:blip>
-            <a:srcRect l="10278" b="4933"/>
-            <a:stretch/>
-          </p:blipFill>
-          <p:spPr bwMode="auto">
-            <a:xfrm>
-              <a:off x="7367381" y="3207557"/>
-              <a:ext cx="3998558" cy="3350898"/>
-            </a:xfrm>
-            <a:prstGeom prst="rect">
-              <a:avLst/>
-            </a:prstGeom>
-            <a:noFill/>
-            <a:ln>
-              <a:noFill/>
-            </a:ln>
+        </p:nvPicPr>
+        <p:blipFill rotWithShape="1">
+          <a:blip r:embed="rId2">
             <a:extLst>
-              <a:ext uri="{909E8E84-426E-40DD-AFC4-6F175D3DCCD1}">
-                <a14:hiddenFill xmlns:a14="http://schemas.microsoft.com/office/drawing/2010/main">
-                  <a:solidFill>
-                    <a:schemeClr val="accent1"/>
-                  </a:solidFill>
-                </a14:hiddenFill>
-              </a:ext>
-              <a:ext uri="{91240B29-F687-4F45-9708-019B960494DF}">
-                <a14:hiddenLine xmlns:a14="http://schemas.microsoft.com/office/drawing/2010/main" w="9525">
-                  <a:solidFill>
-                    <a:schemeClr val="tx1"/>
-                  </a:solidFill>
-                  <a:miter lim="800000"/>
-                  <a:headEnd/>
-                  <a:tailEnd/>
-                </a14:hiddenLine>
+              <a:ext uri="{28A0092B-C50C-407E-A947-70E740481C1C}">
+                <a14:useLocalDpi xmlns:a14="http://schemas.microsoft.com/office/drawing/2010/main" val="0"/>
               </a:ext>
             </a:extLst>
-          </p:spPr>
-        </p:pic>
-        <p:sp>
-          <p:nvSpPr>
-            <p:cNvPr id="394" name="TextBox 393"/>
-            <p:cNvSpPr txBox="1"/>
-            <p:nvPr/>
-          </p:nvSpPr>
-          <p:spPr>
-            <a:xfrm>
-              <a:off x="6996932" y="4391650"/>
-              <a:ext cx="599999" cy="430887"/>
-            </a:xfrm>
-            <a:prstGeom prst="rect">
-              <a:avLst/>
-            </a:prstGeom>
+          </a:blip>
+          <a:srcRect l="10278" b="4933"/>
+          <a:stretch/>
+        </p:blipFill>
+        <p:spPr bwMode="auto">
+          <a:xfrm>
+            <a:off x="551255" y="9066408"/>
+            <a:ext cx="5084669" cy="4261088"/>
+          </a:xfrm>
+          <a:prstGeom prst="rect">
+            <a:avLst/>
+          </a:prstGeom>
+          <a:noFill/>
+          <a:ln>
             <a:noFill/>
-          </p:spPr>
-          <p:txBody>
-            <a:bodyPr wrap="square" rtlCol="0">
-              <a:spAutoFit/>
-            </a:bodyPr>
-            <a:lstStyle/>
-            <a:p>
-              <a:r>
-                <a:rPr lang="en-GB" sz="2200" dirty="0"/>
-                <a:t>α</a:t>
-              </a:r>
-            </a:p>
-          </p:txBody>
-        </p:sp>
-        <p:sp>
-          <p:nvSpPr>
-            <p:cNvPr id="395" name="TextBox 394"/>
-            <p:cNvSpPr txBox="1"/>
-            <p:nvPr/>
-          </p:nvSpPr>
-          <p:spPr>
-            <a:xfrm>
-              <a:off x="9110766" y="6501550"/>
-              <a:ext cx="1078453" cy="369332"/>
-            </a:xfrm>
-            <a:prstGeom prst="rect">
-              <a:avLst/>
-            </a:prstGeom>
-            <a:noFill/>
-          </p:spPr>
-          <p:txBody>
-            <a:bodyPr wrap="square" rtlCol="0">
-              <a:spAutoFit/>
-            </a:bodyPr>
-            <a:lstStyle/>
-            <a:p>
-              <a:r>
-                <a:rPr lang="en-GB" dirty="0" smtClean="0"/>
-                <a:t>E (eV)</a:t>
-              </a:r>
-              <a:endParaRPr lang="en-GB" dirty="0"/>
-            </a:p>
-          </p:txBody>
-        </p:sp>
-        <p:sp>
-          <p:nvSpPr>
-            <p:cNvPr id="396" name="Rectangle 395"/>
-            <p:cNvSpPr/>
-            <p:nvPr/>
-          </p:nvSpPr>
-          <p:spPr>
-            <a:xfrm>
-              <a:off x="8027267" y="4559922"/>
-              <a:ext cx="261147" cy="141539"/>
-            </a:xfrm>
-            <a:prstGeom prst="rect">
-              <a:avLst/>
-            </a:prstGeom>
-            <a:solidFill>
-              <a:schemeClr val="bg1"/>
-            </a:solidFill>
-            <a:ln>
-              <a:noFill/>
-            </a:ln>
-          </p:spPr>
-          <p:style>
-            <a:lnRef idx="2">
-              <a:schemeClr val="accent1">
-                <a:shade val="50000"/>
-              </a:schemeClr>
-            </a:lnRef>
-            <a:fillRef idx="1">
-              <a:schemeClr val="accent1"/>
-            </a:fillRef>
-            <a:effectRef idx="0">
-              <a:schemeClr val="accent1"/>
-            </a:effectRef>
-            <a:fontRef idx="minor">
-              <a:schemeClr val="lt1"/>
-            </a:fontRef>
-          </p:style>
-          <p:txBody>
-            <a:bodyPr rtlCol="0" anchor="ctr"/>
-            <a:lstStyle/>
-            <a:p>
-              <a:pPr algn="ctr"/>
-              <a:endParaRPr lang="en-GB"/>
-            </a:p>
-          </p:txBody>
-        </p:sp>
-        <p:sp>
-          <p:nvSpPr>
-            <p:cNvPr id="397" name="Rectangle 396"/>
-            <p:cNvSpPr/>
-            <p:nvPr/>
-          </p:nvSpPr>
-          <p:spPr>
-            <a:xfrm>
-              <a:off x="8948819" y="4434895"/>
-              <a:ext cx="261147" cy="141539"/>
-            </a:xfrm>
-            <a:prstGeom prst="rect">
-              <a:avLst/>
-            </a:prstGeom>
-            <a:solidFill>
-              <a:schemeClr val="bg1"/>
-            </a:solidFill>
-            <a:ln>
-              <a:noFill/>
-            </a:ln>
-          </p:spPr>
-          <p:style>
-            <a:lnRef idx="2">
-              <a:schemeClr val="accent1">
-                <a:shade val="50000"/>
-              </a:schemeClr>
-            </a:lnRef>
-            <a:fillRef idx="1">
-              <a:schemeClr val="accent1"/>
-            </a:fillRef>
-            <a:effectRef idx="0">
-              <a:schemeClr val="accent1"/>
-            </a:effectRef>
-            <a:fontRef idx="minor">
-              <a:schemeClr val="lt1"/>
-            </a:fontRef>
-          </p:style>
-          <p:txBody>
-            <a:bodyPr rtlCol="0" anchor="ctr"/>
-            <a:lstStyle/>
-            <a:p>
-              <a:pPr algn="ctr"/>
-              <a:endParaRPr lang="en-GB"/>
-            </a:p>
-          </p:txBody>
-        </p:sp>
-        <p:sp>
-          <p:nvSpPr>
-            <p:cNvPr id="398" name="Rectangle 397"/>
-            <p:cNvSpPr/>
-            <p:nvPr/>
-          </p:nvSpPr>
-          <p:spPr>
-            <a:xfrm>
-              <a:off x="9928072" y="4144889"/>
-              <a:ext cx="261147" cy="141539"/>
-            </a:xfrm>
-            <a:prstGeom prst="rect">
-              <a:avLst/>
-            </a:prstGeom>
-            <a:solidFill>
-              <a:schemeClr val="bg1"/>
-            </a:solidFill>
-            <a:ln>
-              <a:noFill/>
-            </a:ln>
-          </p:spPr>
-          <p:style>
-            <a:lnRef idx="2">
-              <a:schemeClr val="accent1">
-                <a:shade val="50000"/>
-              </a:schemeClr>
-            </a:lnRef>
-            <a:fillRef idx="1">
-              <a:schemeClr val="accent1"/>
-            </a:fillRef>
-            <a:effectRef idx="0">
-              <a:schemeClr val="accent1"/>
-            </a:effectRef>
-            <a:fontRef idx="minor">
-              <a:schemeClr val="lt1"/>
-            </a:fontRef>
-          </p:style>
-          <p:txBody>
-            <a:bodyPr rtlCol="0" anchor="ctr"/>
-            <a:lstStyle/>
-            <a:p>
-              <a:pPr algn="ctr"/>
-              <a:endParaRPr lang="en-GB"/>
-            </a:p>
-          </p:txBody>
-        </p:sp>
-        <p:sp>
-          <p:nvSpPr>
-            <p:cNvPr id="399" name="Rectangle 398"/>
-            <p:cNvSpPr/>
-            <p:nvPr/>
-          </p:nvSpPr>
-          <p:spPr>
-            <a:xfrm>
-              <a:off x="8854263" y="5340797"/>
-              <a:ext cx="261147" cy="141539"/>
-            </a:xfrm>
-            <a:prstGeom prst="rect">
-              <a:avLst/>
-            </a:prstGeom>
-            <a:solidFill>
-              <a:schemeClr val="bg1"/>
-            </a:solidFill>
-            <a:ln>
-              <a:noFill/>
-            </a:ln>
-          </p:spPr>
-          <p:style>
-            <a:lnRef idx="2">
-              <a:schemeClr val="accent1">
-                <a:shade val="50000"/>
-              </a:schemeClr>
-            </a:lnRef>
-            <a:fillRef idx="1">
-              <a:schemeClr val="accent1"/>
-            </a:fillRef>
-            <a:effectRef idx="0">
-              <a:schemeClr val="accent1"/>
-            </a:effectRef>
-            <a:fontRef idx="minor">
-              <a:schemeClr val="lt1"/>
-            </a:fontRef>
-          </p:style>
-          <p:txBody>
-            <a:bodyPr rtlCol="0" anchor="ctr"/>
-            <a:lstStyle/>
-            <a:p>
-              <a:pPr algn="ctr"/>
-              <a:endParaRPr lang="en-GB"/>
-            </a:p>
-          </p:txBody>
-        </p:sp>
-        <p:sp>
-          <p:nvSpPr>
-            <p:cNvPr id="400" name="Rectangle 399"/>
-            <p:cNvSpPr/>
-            <p:nvPr/>
-          </p:nvSpPr>
-          <p:spPr>
-            <a:xfrm>
-              <a:off x="10388894" y="5026279"/>
-              <a:ext cx="261147" cy="141539"/>
-            </a:xfrm>
-            <a:prstGeom prst="rect">
-              <a:avLst/>
-            </a:prstGeom>
-            <a:solidFill>
-              <a:schemeClr val="bg1"/>
-            </a:solidFill>
-            <a:ln>
-              <a:noFill/>
-            </a:ln>
-          </p:spPr>
-          <p:style>
-            <a:lnRef idx="2">
-              <a:schemeClr val="accent1">
-                <a:shade val="50000"/>
-              </a:schemeClr>
-            </a:lnRef>
-            <a:fillRef idx="1">
-              <a:schemeClr val="accent1"/>
-            </a:fillRef>
-            <a:effectRef idx="0">
-              <a:schemeClr val="accent1"/>
-            </a:effectRef>
-            <a:fontRef idx="minor">
-              <a:schemeClr val="lt1"/>
-            </a:fontRef>
-          </p:style>
-          <p:txBody>
-            <a:bodyPr rtlCol="0" anchor="ctr"/>
-            <a:lstStyle/>
-            <a:p>
-              <a:pPr algn="ctr"/>
-              <a:endParaRPr lang="en-GB"/>
-            </a:p>
-          </p:txBody>
-        </p:sp>
-        <p:sp>
-          <p:nvSpPr>
-            <p:cNvPr id="401" name="Rectangle 400"/>
-            <p:cNvSpPr/>
-            <p:nvPr/>
-          </p:nvSpPr>
-          <p:spPr>
-            <a:xfrm>
-              <a:off x="10500450" y="5308099"/>
-              <a:ext cx="480857" cy="155187"/>
-            </a:xfrm>
-            <a:prstGeom prst="rect">
-              <a:avLst/>
-            </a:prstGeom>
-            <a:solidFill>
-              <a:schemeClr val="bg1"/>
-            </a:solidFill>
-            <a:ln>
-              <a:noFill/>
-            </a:ln>
-          </p:spPr>
-          <p:style>
-            <a:lnRef idx="2">
-              <a:schemeClr val="accent1">
-                <a:shade val="50000"/>
-              </a:schemeClr>
-            </a:lnRef>
-            <a:fillRef idx="1">
-              <a:schemeClr val="accent1"/>
-            </a:fillRef>
-            <a:effectRef idx="0">
-              <a:schemeClr val="accent1"/>
-            </a:effectRef>
-            <a:fontRef idx="minor">
-              <a:schemeClr val="lt1"/>
-            </a:fontRef>
-          </p:style>
-          <p:txBody>
-            <a:bodyPr rtlCol="0" anchor="ctr"/>
-            <a:lstStyle/>
-            <a:p>
-              <a:pPr algn="ctr"/>
-              <a:endParaRPr lang="en-GB"/>
-            </a:p>
-          </p:txBody>
-        </p:sp>
-        <p:sp>
-          <p:nvSpPr>
-            <p:cNvPr id="402" name="Rectangle 401"/>
-            <p:cNvSpPr/>
-            <p:nvPr/>
-          </p:nvSpPr>
-          <p:spPr>
-            <a:xfrm>
-              <a:off x="10528992" y="4325309"/>
-              <a:ext cx="480857" cy="155187"/>
-            </a:xfrm>
-            <a:prstGeom prst="rect">
-              <a:avLst/>
-            </a:prstGeom>
-            <a:solidFill>
-              <a:schemeClr val="bg1"/>
-            </a:solidFill>
-            <a:ln>
-              <a:noFill/>
-            </a:ln>
-          </p:spPr>
-          <p:style>
-            <a:lnRef idx="2">
-              <a:schemeClr val="accent1">
-                <a:shade val="50000"/>
-              </a:schemeClr>
-            </a:lnRef>
-            <a:fillRef idx="1">
-              <a:schemeClr val="accent1"/>
-            </a:fillRef>
-            <a:effectRef idx="0">
-              <a:schemeClr val="accent1"/>
-            </a:effectRef>
-            <a:fontRef idx="minor">
-              <a:schemeClr val="lt1"/>
-            </a:fontRef>
-          </p:style>
-          <p:txBody>
-            <a:bodyPr rtlCol="0" anchor="ctr"/>
-            <a:lstStyle/>
-            <a:p>
-              <a:pPr algn="ctr"/>
-              <a:endParaRPr lang="en-GB"/>
-            </a:p>
-          </p:txBody>
-        </p:sp>
-        <p:sp>
-          <p:nvSpPr>
-            <p:cNvPr id="403" name="Rectangle 402"/>
-            <p:cNvSpPr/>
-            <p:nvPr/>
-          </p:nvSpPr>
-          <p:spPr>
-            <a:xfrm>
-              <a:off x="10551615" y="3770850"/>
-              <a:ext cx="480857" cy="155187"/>
-            </a:xfrm>
-            <a:prstGeom prst="rect">
-              <a:avLst/>
-            </a:prstGeom>
-            <a:solidFill>
-              <a:schemeClr val="bg1"/>
-            </a:solidFill>
-            <a:ln>
-              <a:noFill/>
-            </a:ln>
-          </p:spPr>
-          <p:style>
-            <a:lnRef idx="2">
-              <a:schemeClr val="accent1">
-                <a:shade val="50000"/>
-              </a:schemeClr>
-            </a:lnRef>
-            <a:fillRef idx="1">
-              <a:schemeClr val="accent1"/>
-            </a:fillRef>
-            <a:effectRef idx="0">
-              <a:schemeClr val="accent1"/>
-            </a:effectRef>
-            <a:fontRef idx="minor">
-              <a:schemeClr val="lt1"/>
-            </a:fontRef>
-          </p:style>
-          <p:txBody>
-            <a:bodyPr rtlCol="0" anchor="ctr"/>
-            <a:lstStyle/>
-            <a:p>
-              <a:pPr algn="ctr"/>
-              <a:endParaRPr lang="en-GB"/>
-            </a:p>
-          </p:txBody>
-        </p:sp>
-      </p:grpSp>
-      <p:sp>
-        <p:nvSpPr>
-          <p:cNvPr id="404" name="TextBox 403"/>
+          </a:ln>
+          <a:extLst>
+            <a:ext uri="{909E8E84-426E-40DD-AFC4-6F175D3DCCD1}">
+              <a14:hiddenFill xmlns:a14="http://schemas.microsoft.com/office/drawing/2010/main">
+                <a:solidFill>
+                  <a:schemeClr val="accent1"/>
+                </a:solidFill>
+              </a14:hiddenFill>
+            </a:ext>
+            <a:ext uri="{91240B29-F687-4F45-9708-019B960494DF}">
+              <a14:hiddenLine xmlns:a14="http://schemas.microsoft.com/office/drawing/2010/main" w="9525">
+                <a:solidFill>
+                  <a:schemeClr val="tx1"/>
+                </a:solidFill>
+                <a:miter lim="800000"/>
+                <a:headEnd/>
+                <a:tailEnd/>
+              </a14:hiddenLine>
+            </a:ext>
+          </a:extLst>
+        </p:spPr>
+      </p:pic>
+      <p:sp>
+        <p:nvSpPr>
+          <p:cNvPr id="1098" name="TextBox 1097"/>
           <p:cNvSpPr txBox="1"/>
           <p:nvPr/>
         </p:nvSpPr>
         <p:spPr>
           <a:xfrm>
-            <a:off x="7884641" y="4419089"/>
-            <a:ext cx="647477" cy="369332"/>
+            <a:off x="180807" y="11034028"/>
+            <a:ext cx="599999" cy="430887"/>
           </a:xfrm>
           <a:prstGeom prst="rect">
             <a:avLst/>
@@ -8049,23 +7607,22 @@
           <a:lstStyle/>
           <a:p>
             <a:r>
-              <a:rPr lang="en-GB" dirty="0" smtClean="0"/>
-              <a:t>u = 2</a:t>
-            </a:r>
-            <a:endParaRPr lang="en-GB" dirty="0"/>
-          </a:p>
-        </p:txBody>
-      </p:sp>
-      <p:sp>
-        <p:nvSpPr>
-          <p:cNvPr id="405" name="TextBox 404"/>
+              <a:rPr lang="en-GB" sz="2200" dirty="0"/>
+              <a:t>α</a:t>
+            </a:r>
+          </a:p>
+        </p:txBody>
+      </p:sp>
+      <p:sp>
+        <p:nvSpPr>
+          <p:cNvPr id="1099" name="TextBox 1098"/>
           <p:cNvSpPr txBox="1"/>
           <p:nvPr/>
         </p:nvSpPr>
         <p:spPr>
           <a:xfrm>
-            <a:off x="8719183" y="4293890"/>
-            <a:ext cx="647477" cy="369332"/>
+            <a:off x="2558311" y="13183056"/>
+            <a:ext cx="1078453" cy="369332"/>
           </a:xfrm>
           <a:prstGeom prst="rect">
             <a:avLst/>
@@ -8080,7 +7637,7 @@
           <a:p>
             <a:r>
               <a:rPr lang="en-GB" dirty="0" smtClean="0"/>
-              <a:t>u = 3</a:t>
+              <a:t>E (eV)</a:t>
             </a:r>
             <a:endParaRPr lang="en-GB" dirty="0"/>
           </a:p>
@@ -8088,13 +7645,381 @@
       </p:sp>
       <p:sp>
         <p:nvSpPr>
-          <p:cNvPr id="406" name="TextBox 405"/>
+          <p:cNvPr id="1100" name="Rectangle 1099"/>
+          <p:cNvSpPr/>
+          <p:nvPr/>
+        </p:nvSpPr>
+        <p:spPr>
+          <a:xfrm>
+            <a:off x="1407056" y="10836746"/>
+            <a:ext cx="261147" cy="141539"/>
+          </a:xfrm>
+          <a:prstGeom prst="rect">
+            <a:avLst/>
+          </a:prstGeom>
+          <a:solidFill>
+            <a:schemeClr val="bg1"/>
+          </a:solidFill>
+          <a:ln>
+            <a:noFill/>
+          </a:ln>
+        </p:spPr>
+        <p:style>
+          <a:lnRef idx="2">
+            <a:schemeClr val="accent1">
+              <a:shade val="50000"/>
+            </a:schemeClr>
+          </a:lnRef>
+          <a:fillRef idx="1">
+            <a:schemeClr val="accent1"/>
+          </a:fillRef>
+          <a:effectRef idx="0">
+            <a:schemeClr val="accent1"/>
+          </a:effectRef>
+          <a:fontRef idx="minor">
+            <a:schemeClr val="lt1"/>
+          </a:fontRef>
+        </p:style>
+        <p:txBody>
+          <a:bodyPr rtlCol="0" anchor="ctr"/>
+          <a:lstStyle/>
+          <a:p>
+            <a:pPr algn="ctr"/>
+            <a:endParaRPr lang="en-GB"/>
+          </a:p>
+        </p:txBody>
+      </p:sp>
+      <p:sp>
+        <p:nvSpPr>
+          <p:cNvPr id="1101" name="Rectangle 1100"/>
+          <p:cNvSpPr/>
+          <p:nvPr/>
+        </p:nvSpPr>
+        <p:spPr>
+          <a:xfrm>
+            <a:off x="2591339" y="10661381"/>
+            <a:ext cx="261147" cy="141539"/>
+          </a:xfrm>
+          <a:prstGeom prst="rect">
+            <a:avLst/>
+          </a:prstGeom>
+          <a:solidFill>
+            <a:schemeClr val="bg1"/>
+          </a:solidFill>
+          <a:ln>
+            <a:noFill/>
+          </a:ln>
+        </p:spPr>
+        <p:style>
+          <a:lnRef idx="2">
+            <a:schemeClr val="accent1">
+              <a:shade val="50000"/>
+            </a:schemeClr>
+          </a:lnRef>
+          <a:fillRef idx="1">
+            <a:schemeClr val="accent1"/>
+          </a:fillRef>
+          <a:effectRef idx="0">
+            <a:schemeClr val="accent1"/>
+          </a:effectRef>
+          <a:fontRef idx="minor">
+            <a:schemeClr val="lt1"/>
+          </a:fontRef>
+        </p:style>
+        <p:txBody>
+          <a:bodyPr rtlCol="0" anchor="ctr"/>
+          <a:lstStyle/>
+          <a:p>
+            <a:pPr algn="ctr"/>
+            <a:endParaRPr lang="en-GB"/>
+          </a:p>
+        </p:txBody>
+      </p:sp>
+      <p:sp>
+        <p:nvSpPr>
+          <p:cNvPr id="1102" name="Rectangle 1101"/>
+          <p:cNvSpPr/>
+          <p:nvPr/>
+        </p:nvSpPr>
+        <p:spPr>
+          <a:xfrm>
+            <a:off x="3860950" y="10285948"/>
+            <a:ext cx="261147" cy="141539"/>
+          </a:xfrm>
+          <a:prstGeom prst="rect">
+            <a:avLst/>
+          </a:prstGeom>
+          <a:solidFill>
+            <a:schemeClr val="bg1"/>
+          </a:solidFill>
+          <a:ln>
+            <a:noFill/>
+          </a:ln>
+        </p:spPr>
+        <p:style>
+          <a:lnRef idx="2">
+            <a:schemeClr val="accent1">
+              <a:shade val="50000"/>
+            </a:schemeClr>
+          </a:lnRef>
+          <a:fillRef idx="1">
+            <a:schemeClr val="accent1"/>
+          </a:fillRef>
+          <a:effectRef idx="0">
+            <a:schemeClr val="accent1"/>
+          </a:effectRef>
+          <a:fontRef idx="minor">
+            <a:schemeClr val="lt1"/>
+          </a:fontRef>
+        </p:style>
+        <p:txBody>
+          <a:bodyPr rtlCol="0" anchor="ctr"/>
+          <a:lstStyle/>
+          <a:p>
+            <a:pPr algn="ctr"/>
+            <a:endParaRPr lang="en-GB"/>
+          </a:p>
+        </p:txBody>
+      </p:sp>
+      <p:sp>
+        <p:nvSpPr>
+          <p:cNvPr id="1103" name="Rectangle 1102"/>
+          <p:cNvSpPr/>
+          <p:nvPr/>
+        </p:nvSpPr>
+        <p:spPr>
+          <a:xfrm>
+            <a:off x="2447082" y="11807514"/>
+            <a:ext cx="261147" cy="141539"/>
+          </a:xfrm>
+          <a:prstGeom prst="rect">
+            <a:avLst/>
+          </a:prstGeom>
+          <a:solidFill>
+            <a:schemeClr val="bg1"/>
+          </a:solidFill>
+          <a:ln>
+            <a:noFill/>
+          </a:ln>
+        </p:spPr>
+        <p:style>
+          <a:lnRef idx="2">
+            <a:schemeClr val="accent1">
+              <a:shade val="50000"/>
+            </a:schemeClr>
+          </a:lnRef>
+          <a:fillRef idx="1">
+            <a:schemeClr val="accent1"/>
+          </a:fillRef>
+          <a:effectRef idx="0">
+            <a:schemeClr val="accent1"/>
+          </a:effectRef>
+          <a:fontRef idx="minor">
+            <a:schemeClr val="lt1"/>
+          </a:fontRef>
+        </p:style>
+        <p:txBody>
+          <a:bodyPr rtlCol="0" anchor="ctr"/>
+          <a:lstStyle/>
+          <a:p>
+            <a:pPr algn="ctr"/>
+            <a:endParaRPr lang="en-GB"/>
+          </a:p>
+        </p:txBody>
+      </p:sp>
+      <p:sp>
+        <p:nvSpPr>
+          <p:cNvPr id="1104" name="Rectangle 1103"/>
+          <p:cNvSpPr/>
+          <p:nvPr/>
+        </p:nvSpPr>
+        <p:spPr>
+          <a:xfrm>
+            <a:off x="4375480" y="11407055"/>
+            <a:ext cx="261147" cy="141539"/>
+          </a:xfrm>
+          <a:prstGeom prst="rect">
+            <a:avLst/>
+          </a:prstGeom>
+          <a:solidFill>
+            <a:schemeClr val="bg1"/>
+          </a:solidFill>
+          <a:ln>
+            <a:noFill/>
+          </a:ln>
+        </p:spPr>
+        <p:style>
+          <a:lnRef idx="2">
+            <a:schemeClr val="accent1">
+              <a:shade val="50000"/>
+            </a:schemeClr>
+          </a:lnRef>
+          <a:fillRef idx="1">
+            <a:schemeClr val="accent1"/>
+          </a:fillRef>
+          <a:effectRef idx="0">
+            <a:schemeClr val="accent1"/>
+          </a:effectRef>
+          <a:fontRef idx="minor">
+            <a:schemeClr val="lt1"/>
+          </a:fontRef>
+        </p:style>
+        <p:txBody>
+          <a:bodyPr rtlCol="0" anchor="ctr"/>
+          <a:lstStyle/>
+          <a:p>
+            <a:pPr algn="ctr"/>
+            <a:endParaRPr lang="en-GB"/>
+          </a:p>
+        </p:txBody>
+      </p:sp>
+      <p:sp>
+        <p:nvSpPr>
+          <p:cNvPr id="1105" name="Rectangle 1104"/>
+          <p:cNvSpPr/>
+          <p:nvPr/>
+        </p:nvSpPr>
+        <p:spPr>
+          <a:xfrm>
+            <a:off x="4605893" y="10486072"/>
+            <a:ext cx="550417" cy="222328"/>
+          </a:xfrm>
+          <a:prstGeom prst="rect">
+            <a:avLst/>
+          </a:prstGeom>
+          <a:solidFill>
+            <a:schemeClr val="bg1"/>
+          </a:solidFill>
+          <a:ln>
+            <a:noFill/>
+          </a:ln>
+        </p:spPr>
+        <p:style>
+          <a:lnRef idx="2">
+            <a:schemeClr val="accent1">
+              <a:shade val="50000"/>
+            </a:schemeClr>
+          </a:lnRef>
+          <a:fillRef idx="1">
+            <a:schemeClr val="accent1"/>
+          </a:fillRef>
+          <a:effectRef idx="0">
+            <a:schemeClr val="accent1"/>
+          </a:effectRef>
+          <a:fontRef idx="minor">
+            <a:schemeClr val="lt1"/>
+          </a:fontRef>
+        </p:style>
+        <p:txBody>
+          <a:bodyPr rtlCol="0" anchor="ctr"/>
+          <a:lstStyle/>
+          <a:p>
+            <a:pPr algn="ctr"/>
+            <a:endParaRPr lang="en-GB"/>
+          </a:p>
+        </p:txBody>
+      </p:sp>
+      <p:sp>
+        <p:nvSpPr>
+          <p:cNvPr id="1106" name="Rectangle 1105"/>
+          <p:cNvSpPr/>
+          <p:nvPr/>
+        </p:nvSpPr>
+        <p:spPr>
+          <a:xfrm>
+            <a:off x="4598163" y="9773013"/>
+            <a:ext cx="668779" cy="246176"/>
+          </a:xfrm>
+          <a:prstGeom prst="rect">
+            <a:avLst/>
+          </a:prstGeom>
+          <a:solidFill>
+            <a:schemeClr val="bg1"/>
+          </a:solidFill>
+          <a:ln>
+            <a:noFill/>
+          </a:ln>
+        </p:spPr>
+        <p:style>
+          <a:lnRef idx="2">
+            <a:schemeClr val="accent1">
+              <a:shade val="50000"/>
+            </a:schemeClr>
+          </a:lnRef>
+          <a:fillRef idx="1">
+            <a:schemeClr val="accent1"/>
+          </a:fillRef>
+          <a:effectRef idx="0">
+            <a:schemeClr val="accent1"/>
+          </a:effectRef>
+          <a:fontRef idx="minor">
+            <a:schemeClr val="lt1"/>
+          </a:fontRef>
+        </p:style>
+        <p:txBody>
+          <a:bodyPr rtlCol="0" anchor="ctr"/>
+          <a:lstStyle/>
+          <a:p>
+            <a:pPr algn="ctr"/>
+            <a:endParaRPr lang="en-GB"/>
+          </a:p>
+        </p:txBody>
+      </p:sp>
+      <p:sp>
+        <p:nvSpPr>
+          <p:cNvPr id="1107" name="Rectangle 1106"/>
+          <p:cNvSpPr/>
+          <p:nvPr/>
+        </p:nvSpPr>
+        <p:spPr>
+          <a:xfrm>
+            <a:off x="4583834" y="11729439"/>
+            <a:ext cx="559480" cy="219614"/>
+          </a:xfrm>
+          <a:prstGeom prst="rect">
+            <a:avLst/>
+          </a:prstGeom>
+          <a:solidFill>
+            <a:schemeClr val="bg1"/>
+          </a:solidFill>
+          <a:ln>
+            <a:noFill/>
+          </a:ln>
+        </p:spPr>
+        <p:style>
+          <a:lnRef idx="2">
+            <a:schemeClr val="accent1">
+              <a:shade val="50000"/>
+            </a:schemeClr>
+          </a:lnRef>
+          <a:fillRef idx="1">
+            <a:schemeClr val="accent1"/>
+          </a:fillRef>
+          <a:effectRef idx="0">
+            <a:schemeClr val="accent1"/>
+          </a:effectRef>
+          <a:fontRef idx="minor">
+            <a:schemeClr val="lt1"/>
+          </a:fontRef>
+        </p:style>
+        <p:txBody>
+          <a:bodyPr rtlCol="0" anchor="ctr"/>
+          <a:lstStyle/>
+          <a:p>
+            <a:pPr algn="ctr"/>
+            <a:endParaRPr lang="en-GB"/>
+          </a:p>
+        </p:txBody>
+      </p:sp>
+      <p:sp>
+        <p:nvSpPr>
+          <p:cNvPr id="1108" name="TextBox 1107"/>
           <p:cNvSpPr txBox="1"/>
           <p:nvPr/>
         </p:nvSpPr>
         <p:spPr>
           <a:xfrm>
-            <a:off x="9757766" y="4006091"/>
+            <a:off x="1333266" y="10682477"/>
             <a:ext cx="647477" cy="369332"/>
           </a:xfrm>
           <a:prstGeom prst="rect">
@@ -8110,7 +8035,7 @@
           <a:p>
             <a:r>
               <a:rPr lang="en-GB" dirty="0" smtClean="0"/>
-              <a:t>u = 4</a:t>
+              <a:t>u = 2</a:t>
             </a:r>
             <a:endParaRPr lang="en-GB" dirty="0"/>
           </a:p>
@@ -8118,13 +8043,13 @@
       </p:sp>
       <p:sp>
         <p:nvSpPr>
-          <p:cNvPr id="407" name="TextBox 406"/>
+          <p:cNvPr id="1109" name="TextBox 1108"/>
           <p:cNvSpPr txBox="1"/>
           <p:nvPr/>
         </p:nvSpPr>
         <p:spPr>
           <a:xfrm>
-            <a:off x="8676431" y="5211177"/>
+            <a:off x="2350661" y="10533672"/>
             <a:ext cx="647477" cy="369332"/>
           </a:xfrm>
           <a:prstGeom prst="rect">
@@ -8140,7 +8065,7 @@
           <a:p>
             <a:r>
               <a:rPr lang="en-GB" dirty="0" smtClean="0"/>
-              <a:t>u = 2</a:t>
+              <a:t>u = 3</a:t>
             </a:r>
             <a:endParaRPr lang="en-GB" dirty="0"/>
           </a:p>
@@ -8148,13 +8073,13 @@
       </p:sp>
       <p:sp>
         <p:nvSpPr>
-          <p:cNvPr id="408" name="TextBox 407"/>
+          <p:cNvPr id="1110" name="TextBox 1109"/>
           <p:cNvSpPr txBox="1"/>
           <p:nvPr/>
         </p:nvSpPr>
         <p:spPr>
           <a:xfrm>
-            <a:off x="10176711" y="4889004"/>
+            <a:off x="3634567" y="10148301"/>
             <a:ext cx="647477" cy="369332"/>
           </a:xfrm>
           <a:prstGeom prst="rect">
@@ -8170,7 +8095,7 @@
           <a:p>
             <a:r>
               <a:rPr lang="en-GB" dirty="0" smtClean="0"/>
-              <a:t>u = 3</a:t>
+              <a:t>u = 4</a:t>
             </a:r>
             <a:endParaRPr lang="en-GB" dirty="0"/>
           </a:p>
@@ -8178,14 +8103,14 @@
       </p:sp>
       <p:sp>
         <p:nvSpPr>
-          <p:cNvPr id="409" name="TextBox 408"/>
+          <p:cNvPr id="1111" name="TextBox 1110"/>
           <p:cNvSpPr txBox="1"/>
           <p:nvPr/>
         </p:nvSpPr>
         <p:spPr>
           <a:xfrm>
-            <a:off x="9569906" y="3539147"/>
-            <a:ext cx="1339393" cy="369332"/>
+            <a:off x="2268017" y="11675373"/>
+            <a:ext cx="647477" cy="369332"/>
           </a:xfrm>
           <a:prstGeom prst="rect">
             <a:avLst/>
@@ -8200,7 +8125,7 @@
           <a:p>
             <a:r>
               <a:rPr lang="en-GB" dirty="0" smtClean="0"/>
-              <a:t>L = 400nm</a:t>
+              <a:t>u = 2</a:t>
             </a:r>
             <a:endParaRPr lang="en-GB" dirty="0"/>
           </a:p>
@@ -8208,14 +8133,14 @@
       </p:sp>
       <p:sp>
         <p:nvSpPr>
-          <p:cNvPr id="410" name="TextBox 409"/>
+          <p:cNvPr id="1112" name="TextBox 1111"/>
           <p:cNvSpPr txBox="1"/>
           <p:nvPr/>
         </p:nvSpPr>
         <p:spPr>
           <a:xfrm>
-            <a:off x="10045203" y="4356373"/>
-            <a:ext cx="1118218" cy="369332"/>
+            <a:off x="4186086" y="11258541"/>
+            <a:ext cx="647477" cy="369332"/>
           </a:xfrm>
           <a:prstGeom prst="rect">
             <a:avLst/>
@@ -8230,7 +8155,7 @@
           <a:p>
             <a:r>
               <a:rPr lang="en-GB" dirty="0" smtClean="0"/>
-              <a:t>L = 21nm</a:t>
+              <a:t>u = 3</a:t>
             </a:r>
             <a:endParaRPr lang="en-GB" dirty="0"/>
           </a:p>
@@ -8238,14 +8163,14 @@
       </p:sp>
       <p:sp>
         <p:nvSpPr>
-          <p:cNvPr id="411" name="TextBox 410"/>
+          <p:cNvPr id="1113" name="TextBox 1112"/>
           <p:cNvSpPr txBox="1"/>
           <p:nvPr/>
         </p:nvSpPr>
         <p:spPr>
           <a:xfrm>
-            <a:off x="10155099" y="5391781"/>
-            <a:ext cx="1118218" cy="369332"/>
+            <a:off x="3636704" y="9445035"/>
+            <a:ext cx="1339393" cy="369332"/>
           </a:xfrm>
           <a:prstGeom prst="rect">
             <a:avLst/>
@@ -8260,7 +8185,157 @@
           <a:p>
             <a:r>
               <a:rPr lang="en-GB" dirty="0" smtClean="0"/>
+              <a:t>L = 400nm</a:t>
+            </a:r>
+            <a:endParaRPr lang="en-GB" dirty="0"/>
+          </a:p>
+        </p:txBody>
+      </p:sp>
+      <p:sp>
+        <p:nvSpPr>
+          <p:cNvPr id="1114" name="TextBox 1113"/>
+          <p:cNvSpPr txBox="1"/>
+          <p:nvPr/>
+        </p:nvSpPr>
+        <p:spPr>
+          <a:xfrm>
+            <a:off x="4148724" y="10595253"/>
+            <a:ext cx="1118218" cy="369332"/>
+          </a:xfrm>
+          <a:prstGeom prst="rect">
+            <a:avLst/>
+          </a:prstGeom>
+          <a:noFill/>
+        </p:spPr>
+        <p:txBody>
+          <a:bodyPr wrap="square" rtlCol="0">
+            <a:spAutoFit/>
+          </a:bodyPr>
+          <a:lstStyle/>
+          <a:p>
+            <a:r>
+              <a:rPr lang="en-GB" dirty="0" smtClean="0"/>
+              <a:t>L = 21nm</a:t>
+            </a:r>
+            <a:endParaRPr lang="en-GB" dirty="0"/>
+          </a:p>
+        </p:txBody>
+      </p:sp>
+      <p:sp>
+        <p:nvSpPr>
+          <p:cNvPr id="1115" name="TextBox 1114"/>
+          <p:cNvSpPr txBox="1"/>
+          <p:nvPr/>
+        </p:nvSpPr>
+        <p:spPr>
+          <a:xfrm>
+            <a:off x="4090136" y="11991069"/>
+            <a:ext cx="1118218" cy="369332"/>
+          </a:xfrm>
+          <a:prstGeom prst="rect">
+            <a:avLst/>
+          </a:prstGeom>
+          <a:noFill/>
+        </p:spPr>
+        <p:txBody>
+          <a:bodyPr wrap="square" rtlCol="0">
+            <a:spAutoFit/>
+          </a:bodyPr>
+          <a:lstStyle/>
+          <a:p>
+            <a:r>
+              <a:rPr lang="en-GB" dirty="0" smtClean="0"/>
               <a:t>L = 14nm</a:t>
+            </a:r>
+            <a:endParaRPr lang="en-GB" dirty="0"/>
+          </a:p>
+        </p:txBody>
+      </p:sp>
+      <p:sp>
+        <p:nvSpPr>
+          <p:cNvPr id="1116" name="TextBox 1115"/>
+          <p:cNvSpPr txBox="1"/>
+          <p:nvPr/>
+        </p:nvSpPr>
+        <p:spPr>
+          <a:xfrm>
+            <a:off x="818758" y="9268037"/>
+            <a:ext cx="647477" cy="369332"/>
+          </a:xfrm>
+          <a:prstGeom prst="rect">
+            <a:avLst/>
+          </a:prstGeom>
+          <a:noFill/>
+        </p:spPr>
+        <p:txBody>
+          <a:bodyPr wrap="square" rtlCol="0">
+            <a:spAutoFit/>
+          </a:bodyPr>
+          <a:lstStyle/>
+          <a:p>
+            <a:r>
+              <a:rPr lang="en-GB" dirty="0" smtClean="0"/>
+              <a:t>ex</a:t>
+            </a:r>
+            <a:endParaRPr lang="en-GB" dirty="0"/>
+          </a:p>
+        </p:txBody>
+      </p:sp>
+      <p:sp>
+        <p:nvSpPr>
+          <p:cNvPr id="1117" name="TextBox 1116"/>
+          <p:cNvSpPr txBox="1"/>
+          <p:nvPr/>
+        </p:nvSpPr>
+        <p:spPr>
+          <a:xfrm>
+            <a:off x="920789" y="10580830"/>
+            <a:ext cx="647477" cy="369332"/>
+          </a:xfrm>
+          <a:prstGeom prst="rect">
+            <a:avLst/>
+          </a:prstGeom>
+          <a:noFill/>
+        </p:spPr>
+        <p:txBody>
+          <a:bodyPr wrap="square" rtlCol="0">
+            <a:spAutoFit/>
+          </a:bodyPr>
+          <a:lstStyle/>
+          <a:p>
+            <a:r>
+              <a:rPr lang="en-GB" dirty="0" smtClean="0"/>
+              <a:t>ex</a:t>
+            </a:r>
+            <a:endParaRPr lang="en-GB" dirty="0"/>
+          </a:p>
+        </p:txBody>
+      </p:sp>
+      <p:sp>
+        <p:nvSpPr>
+          <p:cNvPr id="1118" name="TextBox 1117"/>
+          <p:cNvSpPr txBox="1"/>
+          <p:nvPr/>
+        </p:nvSpPr>
+        <p:spPr>
+          <a:xfrm>
+            <a:off x="1113523" y="11660342"/>
+            <a:ext cx="647477" cy="369332"/>
+          </a:xfrm>
+          <a:prstGeom prst="rect">
+            <a:avLst/>
+          </a:prstGeom>
+          <a:noFill/>
+        </p:spPr>
+        <p:txBody>
+          <a:bodyPr wrap="square" rtlCol="0">
+            <a:spAutoFit/>
+          </a:bodyPr>
+          <a:lstStyle/>
+          <a:p>
+            <a:r>
+              <a:rPr lang="en-GB" dirty="0" smtClean="0"/>
+              <a:t>ex</a:t>
             </a:r>
             <a:endParaRPr lang="en-GB" dirty="0"/>
           </a:p>

--- a/Chapter2/Figures/Fig2.pptx
+++ b/Chapter2/Figures/Fig2.pptx
@@ -288,7 +288,7 @@
           <a:p>
             <a:fld id="{B2D168A9-1B28-47B3-B1E4-8C97D41DF016}" type="datetimeFigureOut">
               <a:rPr lang="en-GB" smtClean="0"/>
-              <a:t>31/08/2014</a:t>
+              <a:t>26/09/2014</a:t>
             </a:fld>
             <a:endParaRPr lang="en-GB"/>
           </a:p>
@@ -458,7 +458,7 @@
           <a:p>
             <a:fld id="{B2D168A9-1B28-47B3-B1E4-8C97D41DF016}" type="datetimeFigureOut">
               <a:rPr lang="en-GB" smtClean="0"/>
-              <a:t>31/08/2014</a:t>
+              <a:t>26/09/2014</a:t>
             </a:fld>
             <a:endParaRPr lang="en-GB"/>
           </a:p>
@@ -638,7 +638,7 @@
           <a:p>
             <a:fld id="{B2D168A9-1B28-47B3-B1E4-8C97D41DF016}" type="datetimeFigureOut">
               <a:rPr lang="en-GB" smtClean="0"/>
-              <a:t>31/08/2014</a:t>
+              <a:t>26/09/2014</a:t>
             </a:fld>
             <a:endParaRPr lang="en-GB"/>
           </a:p>
@@ -808,7 +808,7 @@
           <a:p>
             <a:fld id="{B2D168A9-1B28-47B3-B1E4-8C97D41DF016}" type="datetimeFigureOut">
               <a:rPr lang="en-GB" smtClean="0"/>
-              <a:t>31/08/2014</a:t>
+              <a:t>26/09/2014</a:t>
             </a:fld>
             <a:endParaRPr lang="en-GB"/>
           </a:p>
@@ -1054,7 +1054,7 @@
           <a:p>
             <a:fld id="{B2D168A9-1B28-47B3-B1E4-8C97D41DF016}" type="datetimeFigureOut">
               <a:rPr lang="en-GB" smtClean="0"/>
-              <a:t>31/08/2014</a:t>
+              <a:t>26/09/2014</a:t>
             </a:fld>
             <a:endParaRPr lang="en-GB"/>
           </a:p>
@@ -1342,7 +1342,7 @@
           <a:p>
             <a:fld id="{B2D168A9-1B28-47B3-B1E4-8C97D41DF016}" type="datetimeFigureOut">
               <a:rPr lang="en-GB" smtClean="0"/>
-              <a:t>31/08/2014</a:t>
+              <a:t>26/09/2014</a:t>
             </a:fld>
             <a:endParaRPr lang="en-GB"/>
           </a:p>
@@ -1764,7 +1764,7 @@
           <a:p>
             <a:fld id="{B2D168A9-1B28-47B3-B1E4-8C97D41DF016}" type="datetimeFigureOut">
               <a:rPr lang="en-GB" smtClean="0"/>
-              <a:t>31/08/2014</a:t>
+              <a:t>26/09/2014</a:t>
             </a:fld>
             <a:endParaRPr lang="en-GB"/>
           </a:p>
@@ -1882,7 +1882,7 @@
           <a:p>
             <a:fld id="{B2D168A9-1B28-47B3-B1E4-8C97D41DF016}" type="datetimeFigureOut">
               <a:rPr lang="en-GB" smtClean="0"/>
-              <a:t>31/08/2014</a:t>
+              <a:t>26/09/2014</a:t>
             </a:fld>
             <a:endParaRPr lang="en-GB"/>
           </a:p>
@@ -1977,7 +1977,7 @@
           <a:p>
             <a:fld id="{B2D168A9-1B28-47B3-B1E4-8C97D41DF016}" type="datetimeFigureOut">
               <a:rPr lang="en-GB" smtClean="0"/>
-              <a:t>31/08/2014</a:t>
+              <a:t>26/09/2014</a:t>
             </a:fld>
             <a:endParaRPr lang="en-GB"/>
           </a:p>
@@ -2254,7 +2254,7 @@
           <a:p>
             <a:fld id="{B2D168A9-1B28-47B3-B1E4-8C97D41DF016}" type="datetimeFigureOut">
               <a:rPr lang="en-GB" smtClean="0"/>
-              <a:t>31/08/2014</a:t>
+              <a:t>26/09/2014</a:t>
             </a:fld>
             <a:endParaRPr lang="en-GB"/>
           </a:p>
@@ -2507,7 +2507,7 @@
           <a:p>
             <a:fld id="{B2D168A9-1B28-47B3-B1E4-8C97D41DF016}" type="datetimeFigureOut">
               <a:rPr lang="en-GB" smtClean="0"/>
-              <a:t>31/08/2014</a:t>
+              <a:t>26/09/2014</a:t>
             </a:fld>
             <a:endParaRPr lang="en-GB"/>
           </a:p>
@@ -2720,7 +2720,7 @@
           <a:p>
             <a:fld id="{B2D168A9-1B28-47B3-B1E4-8C97D41DF016}" type="datetimeFigureOut">
               <a:rPr lang="en-GB" smtClean="0"/>
-              <a:t>31/08/2014</a:t>
+              <a:t>26/09/2014</a:t>
             </a:fld>
             <a:endParaRPr lang="en-GB"/>
           </a:p>
@@ -8019,7 +8019,7 @@
         </p:nvSpPr>
         <p:spPr>
           <a:xfrm>
-            <a:off x="1333266" y="10682477"/>
+            <a:off x="1482202" y="10682477"/>
             <a:ext cx="647477" cy="369332"/>
           </a:xfrm>
           <a:prstGeom prst="rect">
@@ -8253,13 +8253,13 @@
       </p:sp>
       <p:sp>
         <p:nvSpPr>
-          <p:cNvPr id="1116" name="TextBox 1115"/>
+          <p:cNvPr id="1117" name="TextBox 1116"/>
           <p:cNvSpPr txBox="1"/>
           <p:nvPr/>
         </p:nvSpPr>
         <p:spPr>
           <a:xfrm>
-            <a:off x="818758" y="9268037"/>
+            <a:off x="864674" y="10472005"/>
             <a:ext cx="647477" cy="369332"/>
           </a:xfrm>
           <a:prstGeom prst="rect">
@@ -8275,7 +8275,7 @@
           <a:p>
             <a:r>
               <a:rPr lang="en-GB" dirty="0" smtClean="0"/>
-              <a:t>ex</a:t>
+              <a:t>u = 1</a:t>
             </a:r>
             <a:endParaRPr lang="en-GB" dirty="0"/>
           </a:p>
@@ -8283,13 +8283,13 @@
       </p:sp>
       <p:sp>
         <p:nvSpPr>
-          <p:cNvPr id="1117" name="TextBox 1116"/>
+          <p:cNvPr id="1118" name="TextBox 1117"/>
           <p:cNvSpPr txBox="1"/>
           <p:nvPr/>
         </p:nvSpPr>
         <p:spPr>
           <a:xfrm>
-            <a:off x="920789" y="10580830"/>
+            <a:off x="1113523" y="11660342"/>
             <a:ext cx="647477" cy="369332"/>
           </a:xfrm>
           <a:prstGeom prst="rect">
@@ -8305,7 +8305,7 @@
           <a:p>
             <a:r>
               <a:rPr lang="en-GB" dirty="0" smtClean="0"/>
-              <a:t>ex</a:t>
+              <a:t>u = 1</a:t>
             </a:r>
             <a:endParaRPr lang="en-GB" dirty="0"/>
           </a:p>
@@ -8313,13 +8313,13 @@
       </p:sp>
       <p:sp>
         <p:nvSpPr>
-          <p:cNvPr id="1118" name="TextBox 1117"/>
+          <p:cNvPr id="114" name="TextBox 113"/>
           <p:cNvSpPr txBox="1"/>
           <p:nvPr/>
         </p:nvSpPr>
         <p:spPr>
           <a:xfrm>
-            <a:off x="1113523" y="11660342"/>
+            <a:off x="864674" y="9322518"/>
             <a:ext cx="647477" cy="369332"/>
           </a:xfrm>
           <a:prstGeom prst="rect">
@@ -8335,7 +8335,11 @@
           <a:p>
             <a:r>
               <a:rPr lang="en-GB" dirty="0" smtClean="0"/>
-              <a:t>ex</a:t>
+              <a:t>u = </a:t>
+            </a:r>
+            <a:r>
+              <a:rPr lang="en-GB" dirty="0" smtClean="0"/>
+              <a:t>1</a:t>
             </a:r>
             <a:endParaRPr lang="en-GB" dirty="0"/>
           </a:p>
